--- a/HomeWork_1/DOC/PPT/PPT.pptx
+++ b/HomeWork_1/DOC/PPT/PPT.pptx
@@ -2,10 +2,11 @@
 <file path=ppt/presentation.xml><?xml version="1.0" encoding="utf-8"?>
 <p:presentation xmlns:a="http://schemas.openxmlformats.org/drawingml/2006/main" xmlns:r="http://schemas.openxmlformats.org/officeDocument/2006/relationships" xmlns:p="http://schemas.openxmlformats.org/presentationml/2006/main" saveSubsetFonts="1" autoCompressPictures="0">
   <p:sldMasterIdLst>
-    <p:sldMasterId id="2147483648" r:id="rId1"/>
+    <p:sldMasterId id="2147483672" r:id="rId1"/>
   </p:sldMasterIdLst>
   <p:sldIdLst>
     <p:sldId id="256" r:id="rId2"/>
+    <p:sldId id="257" r:id="rId3"/>
   </p:sldIdLst>
   <p:sldSz cx="9144000" cy="6858000" type="screen4x3"/>
   <p:notesSz cx="6858000" cy="9144000"/>
@@ -126,7 +127,7 @@
       </p:grpSpPr>
       <p:sp>
         <p:nvSpPr>
-          <p:cNvPr id="2" name="標題 1"/>
+          <p:cNvPr id="2" name="Title 1"/>
           <p:cNvSpPr>
             <a:spLocks noGrp="1"/>
           </p:cNvSpPr>
@@ -136,25 +137,36 @@
         </p:nvSpPr>
         <p:spPr>
           <a:xfrm>
-            <a:off x="685800" y="2130425"/>
-            <a:ext cx="7772400" cy="1470025"/>
+            <a:off x="685800" y="1905000"/>
+            <a:ext cx="7543800" cy="2593975"/>
           </a:xfrm>
         </p:spPr>
         <p:txBody>
-          <a:bodyPr/>
-          <a:lstStyle/>
-          <a:p>
-            <a:r>
-              <a:rPr kumimoji="1" lang="zh-TW" altLang="en-US" smtClean="0"/>
+          <a:bodyPr anchor="b"/>
+          <a:lstStyle>
+            <a:lvl1pPr>
+              <a:defRPr sz="6600">
+                <a:ln>
+                  <a:noFill/>
+                </a:ln>
+                <a:solidFill>
+                  <a:schemeClr val="tx2"/>
+                </a:solidFill>
+              </a:defRPr>
+            </a:lvl1pPr>
+          </a:lstStyle>
+          <a:p>
+            <a:r>
+              <a:rPr lang="zh-TW" altLang="en-US" smtClean="0"/>
               <a:t>按一下以編輯母片標題樣式</a:t>
             </a:r>
-            <a:endParaRPr kumimoji="1" lang="zh-TW" altLang="en-US"/>
-          </a:p>
-        </p:txBody>
-      </p:sp>
-      <p:sp>
-        <p:nvSpPr>
-          <p:cNvPr id="3" name="子標題 2"/>
+            <a:endParaRPr lang="en-US" dirty="0"/>
+          </a:p>
+        </p:txBody>
+      </p:sp>
+      <p:sp>
+        <p:nvSpPr>
+          <p:cNvPr id="3" name="Subtitle 2"/>
           <p:cNvSpPr>
             <a:spLocks noGrp="1"/>
           </p:cNvSpPr>
@@ -164,16 +176,18 @@
         </p:nvSpPr>
         <p:spPr>
           <a:xfrm>
-            <a:off x="1371600" y="3886200"/>
-            <a:ext cx="6400800" cy="1752600"/>
+            <a:off x="685800" y="4572000"/>
+            <a:ext cx="6461760" cy="1066800"/>
           </a:xfrm>
         </p:spPr>
         <p:txBody>
-          <a:bodyPr/>
+          <a:bodyPr anchor="t">
+            <a:normAutofit/>
+          </a:bodyPr>
           <a:lstStyle>
-            <a:lvl1pPr marL="0" indent="0" algn="ctr">
-              <a:buNone/>
-              <a:defRPr>
+            <a:lvl1pPr marL="0" indent="0" algn="l">
+              <a:buNone/>
+              <a:defRPr sz="2000">
                 <a:solidFill>
                   <a:schemeClr val="tx1">
                     <a:tint val="75000"/>
@@ -264,16 +278,16 @@
           </a:lstStyle>
           <a:p>
             <a:r>
-              <a:rPr kumimoji="1" lang="zh-TW" altLang="en-US" smtClean="0"/>
+              <a:rPr lang="zh-TW" altLang="en-US" smtClean="0"/>
               <a:t> 按一下以編輯母片子標題樣式</a:t>
             </a:r>
-            <a:endParaRPr kumimoji="1" lang="zh-TW" altLang="en-US"/>
-          </a:p>
-        </p:txBody>
-      </p:sp>
-      <p:sp>
-        <p:nvSpPr>
-          <p:cNvPr id="4" name="日期版面配置區 3"/>
+            <a:endParaRPr lang="en-US" dirty="0"/>
+          </a:p>
+        </p:txBody>
+      </p:sp>
+      <p:sp>
+        <p:nvSpPr>
+          <p:cNvPr id="4" name="Date Placeholder 3"/>
           <p:cNvSpPr>
             <a:spLocks noGrp="1"/>
           </p:cNvSpPr>
@@ -288,7 +302,7 @@
           <a:p>
             <a:fld id="{3A81A459-E776-7B40-AAC7-C31A505C27D3}" type="datetimeFigureOut">
               <a:rPr kumimoji="1" lang="zh-TW" altLang="en-US" smtClean="0"/>
-              <a:t>15/4/27</a:t>
+              <a:t>15/4/28</a:t>
             </a:fld>
             <a:endParaRPr kumimoji="1" lang="zh-TW" altLang="en-US"/>
           </a:p>
@@ -296,7 +310,7 @@
       </p:sp>
       <p:sp>
         <p:nvSpPr>
-          <p:cNvPr id="5" name="頁尾版面配置區 4"/>
+          <p:cNvPr id="5" name="Footer Placeholder 4"/>
           <p:cNvSpPr>
             <a:spLocks noGrp="1"/>
           </p:cNvSpPr>
@@ -315,7 +329,7 @@
       </p:sp>
       <p:sp>
         <p:nvSpPr>
-          <p:cNvPr id="6" name="投影片編號版面配置區 5"/>
+          <p:cNvPr id="6" name="Slide Number Placeholder 5"/>
           <p:cNvSpPr>
             <a:spLocks noGrp="1"/>
           </p:cNvSpPr>
@@ -337,11 +351,6 @@
         </p:txBody>
       </p:sp>
     </p:spTree>
-    <p:extLst>
-      <p:ext uri="{BB962C8B-B14F-4D97-AF65-F5344CB8AC3E}">
-        <p14:creationId xmlns:p14="http://schemas.microsoft.com/office/powerpoint/2010/main" val="580416958"/>
-      </p:ext>
-    </p:extLst>
   </p:cSld>
   <p:clrMapOvr>
     <a:masterClrMapping/>
@@ -368,7 +377,7 @@
       </p:grpSpPr>
       <p:sp>
         <p:nvSpPr>
-          <p:cNvPr id="2" name="標題 1"/>
+          <p:cNvPr id="2" name="Title 1"/>
           <p:cNvSpPr>
             <a:spLocks noGrp="1"/>
           </p:cNvSpPr>
@@ -382,16 +391,16 @@
           <a:lstStyle/>
           <a:p>
             <a:r>
-              <a:rPr kumimoji="1" lang="zh-TW" altLang="en-US" smtClean="0"/>
+              <a:rPr lang="zh-TW" altLang="en-US" smtClean="0"/>
               <a:t>按一下以編輯母片標題樣式</a:t>
             </a:r>
-            <a:endParaRPr kumimoji="1" lang="zh-TW" altLang="en-US"/>
-          </a:p>
-        </p:txBody>
-      </p:sp>
-      <p:sp>
-        <p:nvSpPr>
-          <p:cNvPr id="3" name="直排文字版面配置區 2"/>
+            <a:endParaRPr lang="en-US"/>
+          </a:p>
+        </p:txBody>
+      </p:sp>
+      <p:sp>
+        <p:nvSpPr>
+          <p:cNvPr id="3" name="Vertical Text Placeholder 2"/>
           <p:cNvSpPr>
             <a:spLocks noGrp="1"/>
           </p:cNvSpPr>
@@ -406,44 +415,44 @@
           <a:p>
             <a:pPr lvl="0"/>
             <a:r>
-              <a:rPr kumimoji="1" lang="zh-TW" altLang="en-US" smtClean="0"/>
+              <a:rPr lang="zh-TW" altLang="en-US" smtClean="0"/>
               <a:t>按一下以編輯母片文字樣式</a:t>
             </a:r>
           </a:p>
           <a:p>
             <a:pPr lvl="1"/>
             <a:r>
-              <a:rPr kumimoji="1" lang="zh-TW" altLang="en-US" smtClean="0"/>
+              <a:rPr lang="zh-TW" altLang="en-US" smtClean="0"/>
               <a:t>第二層</a:t>
             </a:r>
           </a:p>
           <a:p>
             <a:pPr lvl="2"/>
             <a:r>
-              <a:rPr kumimoji="1" lang="zh-TW" altLang="en-US" smtClean="0"/>
+              <a:rPr lang="zh-TW" altLang="en-US" smtClean="0"/>
               <a:t>第三層</a:t>
             </a:r>
           </a:p>
           <a:p>
             <a:pPr lvl="3"/>
             <a:r>
-              <a:rPr kumimoji="1" lang="zh-TW" altLang="en-US" smtClean="0"/>
+              <a:rPr lang="zh-TW" altLang="en-US" smtClean="0"/>
               <a:t>第四層</a:t>
             </a:r>
           </a:p>
           <a:p>
             <a:pPr lvl="4"/>
             <a:r>
-              <a:rPr kumimoji="1" lang="zh-TW" altLang="en-US" smtClean="0"/>
+              <a:rPr lang="zh-TW" altLang="en-US" smtClean="0"/>
               <a:t>第五層</a:t>
             </a:r>
-            <a:endParaRPr kumimoji="1" lang="zh-TW" altLang="en-US"/>
-          </a:p>
-        </p:txBody>
-      </p:sp>
-      <p:sp>
-        <p:nvSpPr>
-          <p:cNvPr id="4" name="日期版面配置區 3"/>
+            <a:endParaRPr lang="en-US"/>
+          </a:p>
+        </p:txBody>
+      </p:sp>
+      <p:sp>
+        <p:nvSpPr>
+          <p:cNvPr id="4" name="Date Placeholder 3"/>
           <p:cNvSpPr>
             <a:spLocks noGrp="1"/>
           </p:cNvSpPr>
@@ -458,7 +467,7 @@
           <a:p>
             <a:fld id="{3A81A459-E776-7B40-AAC7-C31A505C27D3}" type="datetimeFigureOut">
               <a:rPr kumimoji="1" lang="zh-TW" altLang="en-US" smtClean="0"/>
-              <a:t>15/4/27</a:t>
+              <a:t>15/4/28</a:t>
             </a:fld>
             <a:endParaRPr kumimoji="1" lang="zh-TW" altLang="en-US"/>
           </a:p>
@@ -466,7 +475,7 @@
       </p:sp>
       <p:sp>
         <p:nvSpPr>
-          <p:cNvPr id="5" name="頁尾版面配置區 4"/>
+          <p:cNvPr id="5" name="Footer Placeholder 4"/>
           <p:cNvSpPr>
             <a:spLocks noGrp="1"/>
           </p:cNvSpPr>
@@ -485,7 +494,7 @@
       </p:sp>
       <p:sp>
         <p:nvSpPr>
-          <p:cNvPr id="6" name="投影片編號版面配置區 5"/>
+          <p:cNvPr id="6" name="Slide Number Placeholder 5"/>
           <p:cNvSpPr>
             <a:spLocks noGrp="1"/>
           </p:cNvSpPr>
@@ -507,11 +516,6 @@
         </p:txBody>
       </p:sp>
     </p:spTree>
-    <p:extLst>
-      <p:ext uri="{BB962C8B-B14F-4D97-AF65-F5344CB8AC3E}">
-        <p14:creationId xmlns:p14="http://schemas.microsoft.com/office/powerpoint/2010/main" val="3175786194"/>
-      </p:ext>
-    </p:extLst>
   </p:cSld>
   <p:clrMapOvr>
     <a:masterClrMapping/>
@@ -538,7 +542,7 @@
       </p:grpSpPr>
       <p:sp>
         <p:nvSpPr>
-          <p:cNvPr id="2" name="直排標題 1"/>
+          <p:cNvPr id="2" name="Vertical Title 1"/>
           <p:cNvSpPr>
             <a:spLocks noGrp="1"/>
           </p:cNvSpPr>
@@ -549,24 +553,24 @@
         <p:spPr>
           <a:xfrm>
             <a:off x="6629400" y="274638"/>
-            <a:ext cx="2057400" cy="5851525"/>
+            <a:ext cx="1752600" cy="5851525"/>
           </a:xfrm>
         </p:spPr>
         <p:txBody>
-          <a:bodyPr vert="eaVert"/>
-          <a:lstStyle/>
-          <a:p>
-            <a:r>
-              <a:rPr kumimoji="1" lang="zh-TW" altLang="en-US" smtClean="0"/>
+          <a:bodyPr vert="eaVert" anchor="b" anchorCtr="0"/>
+          <a:lstStyle/>
+          <a:p>
+            <a:r>
+              <a:rPr lang="zh-TW" altLang="en-US" smtClean="0"/>
               <a:t>按一下以編輯母片標題樣式</a:t>
             </a:r>
-            <a:endParaRPr kumimoji="1" lang="zh-TW" altLang="en-US"/>
-          </a:p>
-        </p:txBody>
-      </p:sp>
-      <p:sp>
-        <p:nvSpPr>
-          <p:cNvPr id="3" name="直排文字版面配置區 2"/>
+            <a:endParaRPr lang="en-US" dirty="0"/>
+          </a:p>
+        </p:txBody>
+      </p:sp>
+      <p:sp>
+        <p:nvSpPr>
+          <p:cNvPr id="3" name="Vertical Text Placeholder 2"/>
           <p:cNvSpPr>
             <a:spLocks noGrp="1"/>
           </p:cNvSpPr>
@@ -586,44 +590,44 @@
           <a:p>
             <a:pPr lvl="0"/>
             <a:r>
-              <a:rPr kumimoji="1" lang="zh-TW" altLang="en-US" smtClean="0"/>
+              <a:rPr lang="zh-TW" altLang="en-US" smtClean="0"/>
               <a:t>按一下以編輯母片文字樣式</a:t>
             </a:r>
           </a:p>
           <a:p>
             <a:pPr lvl="1"/>
             <a:r>
-              <a:rPr kumimoji="1" lang="zh-TW" altLang="en-US" smtClean="0"/>
+              <a:rPr lang="zh-TW" altLang="en-US" smtClean="0"/>
               <a:t>第二層</a:t>
             </a:r>
           </a:p>
           <a:p>
             <a:pPr lvl="2"/>
             <a:r>
-              <a:rPr kumimoji="1" lang="zh-TW" altLang="en-US" smtClean="0"/>
+              <a:rPr lang="zh-TW" altLang="en-US" smtClean="0"/>
               <a:t>第三層</a:t>
             </a:r>
           </a:p>
           <a:p>
             <a:pPr lvl="3"/>
             <a:r>
-              <a:rPr kumimoji="1" lang="zh-TW" altLang="en-US" smtClean="0"/>
+              <a:rPr lang="zh-TW" altLang="en-US" smtClean="0"/>
               <a:t>第四層</a:t>
             </a:r>
           </a:p>
           <a:p>
             <a:pPr lvl="4"/>
             <a:r>
-              <a:rPr kumimoji="1" lang="zh-TW" altLang="en-US" smtClean="0"/>
+              <a:rPr lang="zh-TW" altLang="en-US" smtClean="0"/>
               <a:t>第五層</a:t>
             </a:r>
-            <a:endParaRPr kumimoji="1" lang="zh-TW" altLang="en-US"/>
-          </a:p>
-        </p:txBody>
-      </p:sp>
-      <p:sp>
-        <p:nvSpPr>
-          <p:cNvPr id="4" name="日期版面配置區 3"/>
+            <a:endParaRPr lang="en-US"/>
+          </a:p>
+        </p:txBody>
+      </p:sp>
+      <p:sp>
+        <p:nvSpPr>
+          <p:cNvPr id="4" name="Date Placeholder 3"/>
           <p:cNvSpPr>
             <a:spLocks noGrp="1"/>
           </p:cNvSpPr>
@@ -638,7 +642,7 @@
           <a:p>
             <a:fld id="{3A81A459-E776-7B40-AAC7-C31A505C27D3}" type="datetimeFigureOut">
               <a:rPr kumimoji="1" lang="zh-TW" altLang="en-US" smtClean="0"/>
-              <a:t>15/4/27</a:t>
+              <a:t>15/4/28</a:t>
             </a:fld>
             <a:endParaRPr kumimoji="1" lang="zh-TW" altLang="en-US"/>
           </a:p>
@@ -646,7 +650,7 @@
       </p:sp>
       <p:sp>
         <p:nvSpPr>
-          <p:cNvPr id="5" name="頁尾版面配置區 4"/>
+          <p:cNvPr id="5" name="Footer Placeholder 4"/>
           <p:cNvSpPr>
             <a:spLocks noGrp="1"/>
           </p:cNvSpPr>
@@ -665,7 +669,7 @@
       </p:sp>
       <p:sp>
         <p:nvSpPr>
-          <p:cNvPr id="6" name="投影片編號版面配置區 5"/>
+          <p:cNvPr id="6" name="Slide Number Placeholder 5"/>
           <p:cNvSpPr>
             <a:spLocks noGrp="1"/>
           </p:cNvSpPr>
@@ -687,11 +691,6 @@
         </p:txBody>
       </p:sp>
     </p:spTree>
-    <p:extLst>
-      <p:ext uri="{BB962C8B-B14F-4D97-AF65-F5344CB8AC3E}">
-        <p14:creationId xmlns:p14="http://schemas.microsoft.com/office/powerpoint/2010/main" val="947423384"/>
-      </p:ext>
-    </p:extLst>
   </p:cSld>
   <p:clrMapOvr>
     <a:masterClrMapping/>
@@ -718,7 +717,7 @@
       </p:grpSpPr>
       <p:sp>
         <p:nvSpPr>
-          <p:cNvPr id="2" name="標題 1"/>
+          <p:cNvPr id="2" name="Title 1"/>
           <p:cNvSpPr>
             <a:spLocks noGrp="1"/>
           </p:cNvSpPr>
@@ -732,16 +731,16 @@
           <a:lstStyle/>
           <a:p>
             <a:r>
-              <a:rPr kumimoji="1" lang="zh-TW" altLang="en-US" smtClean="0"/>
+              <a:rPr lang="zh-TW" altLang="en-US" smtClean="0"/>
               <a:t>按一下以編輯母片標題樣式</a:t>
             </a:r>
-            <a:endParaRPr kumimoji="1" lang="zh-TW" altLang="en-US"/>
-          </a:p>
-        </p:txBody>
-      </p:sp>
-      <p:sp>
-        <p:nvSpPr>
-          <p:cNvPr id="3" name="內容版面配置區 2"/>
+            <a:endParaRPr lang="en-US"/>
+          </a:p>
+        </p:txBody>
+      </p:sp>
+      <p:sp>
+        <p:nvSpPr>
+          <p:cNvPr id="3" name="Content Placeholder 2"/>
           <p:cNvSpPr>
             <a:spLocks noGrp="1"/>
           </p:cNvSpPr>
@@ -756,44 +755,44 @@
           <a:p>
             <a:pPr lvl="0"/>
             <a:r>
-              <a:rPr kumimoji="1" lang="zh-TW" altLang="en-US" smtClean="0"/>
+              <a:rPr lang="zh-TW" altLang="en-US" smtClean="0"/>
               <a:t>按一下以編輯母片文字樣式</a:t>
             </a:r>
           </a:p>
           <a:p>
             <a:pPr lvl="1"/>
             <a:r>
-              <a:rPr kumimoji="1" lang="zh-TW" altLang="en-US" smtClean="0"/>
+              <a:rPr lang="zh-TW" altLang="en-US" smtClean="0"/>
               <a:t>第二層</a:t>
             </a:r>
           </a:p>
           <a:p>
             <a:pPr lvl="2"/>
             <a:r>
-              <a:rPr kumimoji="1" lang="zh-TW" altLang="en-US" smtClean="0"/>
+              <a:rPr lang="zh-TW" altLang="en-US" smtClean="0"/>
               <a:t>第三層</a:t>
             </a:r>
           </a:p>
           <a:p>
             <a:pPr lvl="3"/>
             <a:r>
-              <a:rPr kumimoji="1" lang="zh-TW" altLang="en-US" smtClean="0"/>
+              <a:rPr lang="zh-TW" altLang="en-US" smtClean="0"/>
               <a:t>第四層</a:t>
             </a:r>
           </a:p>
           <a:p>
             <a:pPr lvl="4"/>
             <a:r>
-              <a:rPr kumimoji="1" lang="zh-TW" altLang="en-US" smtClean="0"/>
+              <a:rPr lang="zh-TW" altLang="en-US" smtClean="0"/>
               <a:t>第五層</a:t>
             </a:r>
-            <a:endParaRPr kumimoji="1" lang="zh-TW" altLang="en-US"/>
-          </a:p>
-        </p:txBody>
-      </p:sp>
-      <p:sp>
-        <p:nvSpPr>
-          <p:cNvPr id="4" name="日期版面配置區 3"/>
+            <a:endParaRPr lang="en-US"/>
+          </a:p>
+        </p:txBody>
+      </p:sp>
+      <p:sp>
+        <p:nvSpPr>
+          <p:cNvPr id="4" name="Date Placeholder 3"/>
           <p:cNvSpPr>
             <a:spLocks noGrp="1"/>
           </p:cNvSpPr>
@@ -808,7 +807,7 @@
           <a:p>
             <a:fld id="{3A81A459-E776-7B40-AAC7-C31A505C27D3}" type="datetimeFigureOut">
               <a:rPr kumimoji="1" lang="zh-TW" altLang="en-US" smtClean="0"/>
-              <a:t>15/4/27</a:t>
+              <a:t>15/4/28</a:t>
             </a:fld>
             <a:endParaRPr kumimoji="1" lang="zh-TW" altLang="en-US"/>
           </a:p>
@@ -816,7 +815,7 @@
       </p:sp>
       <p:sp>
         <p:nvSpPr>
-          <p:cNvPr id="5" name="頁尾版面配置區 4"/>
+          <p:cNvPr id="5" name="Footer Placeholder 4"/>
           <p:cNvSpPr>
             <a:spLocks noGrp="1"/>
           </p:cNvSpPr>
@@ -835,7 +834,7 @@
       </p:sp>
       <p:sp>
         <p:nvSpPr>
-          <p:cNvPr id="6" name="投影片編號版面配置區 5"/>
+          <p:cNvPr id="6" name="Slide Number Placeholder 5"/>
           <p:cNvSpPr>
             <a:spLocks noGrp="1"/>
           </p:cNvSpPr>
@@ -857,11 +856,6 @@
         </p:txBody>
       </p:sp>
     </p:spTree>
-    <p:extLst>
-      <p:ext uri="{BB962C8B-B14F-4D97-AF65-F5344CB8AC3E}">
-        <p14:creationId xmlns:p14="http://schemas.microsoft.com/office/powerpoint/2010/main" val="699247048"/>
-      </p:ext>
-    </p:extLst>
   </p:cSld>
   <p:clrMapOvr>
     <a:masterClrMapping/>
@@ -888,7 +882,7 @@
       </p:grpSpPr>
       <p:sp>
         <p:nvSpPr>
-          <p:cNvPr id="2" name="標題 1"/>
+          <p:cNvPr id="2" name="Title 1"/>
           <p:cNvSpPr>
             <a:spLocks noGrp="1"/>
           </p:cNvSpPr>
@@ -898,29 +892,29 @@
         </p:nvSpPr>
         <p:spPr>
           <a:xfrm>
-            <a:off x="722313" y="4406900"/>
-            <a:ext cx="7772400" cy="1362075"/>
+            <a:off x="722313" y="5486400"/>
+            <a:ext cx="7659687" cy="1168400"/>
           </a:xfrm>
         </p:spPr>
         <p:txBody>
           <a:bodyPr anchor="t"/>
           <a:lstStyle>
             <a:lvl1pPr algn="l">
-              <a:defRPr sz="4000" b="1" cap="all"/>
+              <a:defRPr sz="3600" b="0" cap="all"/>
             </a:lvl1pPr>
           </a:lstStyle>
           <a:p>
             <a:r>
-              <a:rPr kumimoji="1" lang="zh-TW" altLang="en-US" smtClean="0"/>
+              <a:rPr lang="zh-TW" altLang="en-US" smtClean="0"/>
               <a:t>按一下以編輯母片標題樣式</a:t>
             </a:r>
-            <a:endParaRPr kumimoji="1" lang="zh-TW" altLang="en-US"/>
-          </a:p>
-        </p:txBody>
-      </p:sp>
-      <p:sp>
-        <p:nvSpPr>
-          <p:cNvPr id="3" name="文字版面配置區 2"/>
+            <a:endParaRPr lang="en-US" dirty="0"/>
+          </a:p>
+        </p:txBody>
+      </p:sp>
+      <p:sp>
+        <p:nvSpPr>
+          <p:cNvPr id="3" name="Text Placeholder 2"/>
           <p:cNvSpPr>
             <a:spLocks noGrp="1"/>
           </p:cNvSpPr>
@@ -930,8 +924,8 @@
         </p:nvSpPr>
         <p:spPr>
           <a:xfrm>
-            <a:off x="722313" y="2906713"/>
-            <a:ext cx="7772400" cy="1500187"/>
+            <a:off x="722313" y="3852863"/>
+            <a:ext cx="6135687" cy="1633538"/>
           </a:xfrm>
         </p:spPr>
         <p:txBody>
@@ -1031,7 +1025,7 @@
           <a:p>
             <a:pPr lvl="0"/>
             <a:r>
-              <a:rPr kumimoji="1" lang="zh-TW" altLang="en-US" smtClean="0"/>
+              <a:rPr lang="zh-TW" altLang="en-US" smtClean="0"/>
               <a:t>按一下以編輯母片文字樣式</a:t>
             </a:r>
           </a:p>
@@ -1039,7 +1033,7 @@
       </p:sp>
       <p:sp>
         <p:nvSpPr>
-          <p:cNvPr id="4" name="日期版面配置區 3"/>
+          <p:cNvPr id="4" name="Date Placeholder 3"/>
           <p:cNvSpPr>
             <a:spLocks noGrp="1"/>
           </p:cNvSpPr>
@@ -1054,7 +1048,7 @@
           <a:p>
             <a:fld id="{3A81A459-E776-7B40-AAC7-C31A505C27D3}" type="datetimeFigureOut">
               <a:rPr kumimoji="1" lang="zh-TW" altLang="en-US" smtClean="0"/>
-              <a:t>15/4/27</a:t>
+              <a:t>15/4/28</a:t>
             </a:fld>
             <a:endParaRPr kumimoji="1" lang="zh-TW" altLang="en-US"/>
           </a:p>
@@ -1062,7 +1056,7 @@
       </p:sp>
       <p:sp>
         <p:nvSpPr>
-          <p:cNvPr id="5" name="頁尾版面配置區 4"/>
+          <p:cNvPr id="5" name="Footer Placeholder 4"/>
           <p:cNvSpPr>
             <a:spLocks noGrp="1"/>
           </p:cNvSpPr>
@@ -1081,7 +1075,7 @@
       </p:sp>
       <p:sp>
         <p:nvSpPr>
-          <p:cNvPr id="6" name="投影片編號版面配置區 5"/>
+          <p:cNvPr id="6" name="Slide Number Placeholder 5"/>
           <p:cNvSpPr>
             <a:spLocks noGrp="1"/>
           </p:cNvSpPr>
@@ -1103,11 +1097,6 @@
         </p:txBody>
       </p:sp>
     </p:spTree>
-    <p:extLst>
-      <p:ext uri="{BB962C8B-B14F-4D97-AF65-F5344CB8AC3E}">
-        <p14:creationId xmlns:p14="http://schemas.microsoft.com/office/powerpoint/2010/main" val="6842345"/>
-      </p:ext>
-    </p:extLst>
   </p:cSld>
   <p:clrMapOvr>
     <a:masterClrMapping/>
@@ -1134,7 +1123,7 @@
       </p:grpSpPr>
       <p:sp>
         <p:nvSpPr>
-          <p:cNvPr id="2" name="標題 1"/>
+          <p:cNvPr id="2" name="Title 1"/>
           <p:cNvSpPr>
             <a:spLocks noGrp="1"/>
           </p:cNvSpPr>
@@ -1148,16 +1137,16 @@
           <a:lstStyle/>
           <a:p>
             <a:r>
-              <a:rPr kumimoji="1" lang="zh-TW" altLang="en-US" smtClean="0"/>
+              <a:rPr lang="zh-TW" altLang="en-US" smtClean="0"/>
               <a:t>按一下以編輯母片標題樣式</a:t>
             </a:r>
-            <a:endParaRPr kumimoji="1" lang="zh-TW" altLang="en-US"/>
-          </a:p>
-        </p:txBody>
-      </p:sp>
-      <p:sp>
-        <p:nvSpPr>
-          <p:cNvPr id="3" name="內容版面配置區 2"/>
+            <a:endParaRPr lang="en-US"/>
+          </a:p>
+        </p:txBody>
+      </p:sp>
+      <p:sp>
+        <p:nvSpPr>
+          <p:cNvPr id="3" name="Content Placeholder 2"/>
           <p:cNvSpPr>
             <a:spLocks noGrp="1"/>
           </p:cNvSpPr>
@@ -1167,8 +1156,8 @@
         </p:nvSpPr>
         <p:spPr>
           <a:xfrm>
-            <a:off x="457200" y="1600200"/>
-            <a:ext cx="4038600" cy="4525963"/>
+            <a:off x="457200" y="1536192"/>
+            <a:ext cx="3657600" cy="4590288"/>
           </a:xfrm>
         </p:spPr>
         <p:txBody>
@@ -1205,44 +1194,44 @@
           <a:p>
             <a:pPr lvl="0"/>
             <a:r>
-              <a:rPr kumimoji="1" lang="zh-TW" altLang="en-US" smtClean="0"/>
+              <a:rPr lang="zh-TW" altLang="en-US" smtClean="0"/>
               <a:t>按一下以編輯母片文字樣式</a:t>
             </a:r>
           </a:p>
           <a:p>
             <a:pPr lvl="1"/>
             <a:r>
-              <a:rPr kumimoji="1" lang="zh-TW" altLang="en-US" smtClean="0"/>
+              <a:rPr lang="zh-TW" altLang="en-US" smtClean="0"/>
               <a:t>第二層</a:t>
             </a:r>
           </a:p>
           <a:p>
             <a:pPr lvl="2"/>
             <a:r>
-              <a:rPr kumimoji="1" lang="zh-TW" altLang="en-US" smtClean="0"/>
+              <a:rPr lang="zh-TW" altLang="en-US" smtClean="0"/>
               <a:t>第三層</a:t>
             </a:r>
           </a:p>
           <a:p>
             <a:pPr lvl="3"/>
             <a:r>
-              <a:rPr kumimoji="1" lang="zh-TW" altLang="en-US" smtClean="0"/>
+              <a:rPr lang="zh-TW" altLang="en-US" smtClean="0"/>
               <a:t>第四層</a:t>
             </a:r>
           </a:p>
           <a:p>
             <a:pPr lvl="4"/>
             <a:r>
-              <a:rPr kumimoji="1" lang="zh-TW" altLang="en-US" smtClean="0"/>
+              <a:rPr lang="zh-TW" altLang="en-US" smtClean="0"/>
               <a:t>第五層</a:t>
             </a:r>
-            <a:endParaRPr kumimoji="1" lang="zh-TW" altLang="en-US"/>
-          </a:p>
-        </p:txBody>
-      </p:sp>
-      <p:sp>
-        <p:nvSpPr>
-          <p:cNvPr id="4" name="內容版面配置區 3"/>
+            <a:endParaRPr lang="en-US" dirty="0"/>
+          </a:p>
+        </p:txBody>
+      </p:sp>
+      <p:sp>
+        <p:nvSpPr>
+          <p:cNvPr id="4" name="Content Placeholder 3"/>
           <p:cNvSpPr>
             <a:spLocks noGrp="1"/>
           </p:cNvSpPr>
@@ -1252,8 +1241,8 @@
         </p:nvSpPr>
         <p:spPr>
           <a:xfrm>
-            <a:off x="4648200" y="1600200"/>
-            <a:ext cx="4038600" cy="4525963"/>
+            <a:off x="4419600" y="1536192"/>
+            <a:ext cx="3657600" cy="4590288"/>
           </a:xfrm>
         </p:spPr>
         <p:txBody>
@@ -1290,44 +1279,44 @@
           <a:p>
             <a:pPr lvl="0"/>
             <a:r>
-              <a:rPr kumimoji="1" lang="zh-TW" altLang="en-US" smtClean="0"/>
+              <a:rPr lang="zh-TW" altLang="en-US" smtClean="0"/>
               <a:t>按一下以編輯母片文字樣式</a:t>
             </a:r>
           </a:p>
           <a:p>
             <a:pPr lvl="1"/>
             <a:r>
-              <a:rPr kumimoji="1" lang="zh-TW" altLang="en-US" smtClean="0"/>
+              <a:rPr lang="zh-TW" altLang="en-US" smtClean="0"/>
               <a:t>第二層</a:t>
             </a:r>
           </a:p>
           <a:p>
             <a:pPr lvl="2"/>
             <a:r>
-              <a:rPr kumimoji="1" lang="zh-TW" altLang="en-US" smtClean="0"/>
+              <a:rPr lang="zh-TW" altLang="en-US" smtClean="0"/>
               <a:t>第三層</a:t>
             </a:r>
           </a:p>
           <a:p>
             <a:pPr lvl="3"/>
             <a:r>
-              <a:rPr kumimoji="1" lang="zh-TW" altLang="en-US" smtClean="0"/>
+              <a:rPr lang="zh-TW" altLang="en-US" smtClean="0"/>
               <a:t>第四層</a:t>
             </a:r>
           </a:p>
           <a:p>
             <a:pPr lvl="4"/>
             <a:r>
-              <a:rPr kumimoji="1" lang="zh-TW" altLang="en-US" smtClean="0"/>
+              <a:rPr lang="zh-TW" altLang="en-US" smtClean="0"/>
               <a:t>第五層</a:t>
             </a:r>
-            <a:endParaRPr kumimoji="1" lang="zh-TW" altLang="en-US"/>
-          </a:p>
-        </p:txBody>
-      </p:sp>
-      <p:sp>
-        <p:nvSpPr>
-          <p:cNvPr id="5" name="日期版面配置區 4"/>
+            <a:endParaRPr lang="en-US" dirty="0"/>
+          </a:p>
+        </p:txBody>
+      </p:sp>
+      <p:sp>
+        <p:nvSpPr>
+          <p:cNvPr id="5" name="Date Placeholder 4"/>
           <p:cNvSpPr>
             <a:spLocks noGrp="1"/>
           </p:cNvSpPr>
@@ -1342,7 +1331,7 @@
           <a:p>
             <a:fld id="{3A81A459-E776-7B40-AAC7-C31A505C27D3}" type="datetimeFigureOut">
               <a:rPr kumimoji="1" lang="zh-TW" altLang="en-US" smtClean="0"/>
-              <a:t>15/4/27</a:t>
+              <a:t>15/4/28</a:t>
             </a:fld>
             <a:endParaRPr kumimoji="1" lang="zh-TW" altLang="en-US"/>
           </a:p>
@@ -1350,7 +1339,7 @@
       </p:sp>
       <p:sp>
         <p:nvSpPr>
-          <p:cNvPr id="6" name="頁尾版面配置區 5"/>
+          <p:cNvPr id="6" name="Footer Placeholder 5"/>
           <p:cNvSpPr>
             <a:spLocks noGrp="1"/>
           </p:cNvSpPr>
@@ -1369,7 +1358,7 @@
       </p:sp>
       <p:sp>
         <p:nvSpPr>
-          <p:cNvPr id="7" name="投影片編號版面配置區 6"/>
+          <p:cNvPr id="7" name="Slide Number Placeholder 6"/>
           <p:cNvSpPr>
             <a:spLocks noGrp="1"/>
           </p:cNvSpPr>
@@ -1391,11 +1380,6 @@
         </p:txBody>
       </p:sp>
     </p:spTree>
-    <p:extLst>
-      <p:ext uri="{BB962C8B-B14F-4D97-AF65-F5344CB8AC3E}">
-        <p14:creationId xmlns:p14="http://schemas.microsoft.com/office/powerpoint/2010/main" val="297216933"/>
-      </p:ext>
-    </p:extLst>
   </p:cSld>
   <p:clrMapOvr>
     <a:masterClrMapping/>
@@ -1422,7 +1406,7 @@
       </p:grpSpPr>
       <p:sp>
         <p:nvSpPr>
-          <p:cNvPr id="2" name="標題 1"/>
+          <p:cNvPr id="2" name="Title 1"/>
           <p:cNvSpPr>
             <a:spLocks noGrp="1"/>
           </p:cNvSpPr>
@@ -1440,16 +1424,16 @@
           </a:lstStyle>
           <a:p>
             <a:r>
-              <a:rPr kumimoji="1" lang="zh-TW" altLang="en-US" smtClean="0"/>
+              <a:rPr lang="zh-TW" altLang="en-US" smtClean="0"/>
               <a:t>按一下以編輯母片標題樣式</a:t>
             </a:r>
-            <a:endParaRPr kumimoji="1" lang="zh-TW" altLang="en-US"/>
-          </a:p>
-        </p:txBody>
-      </p:sp>
-      <p:sp>
-        <p:nvSpPr>
-          <p:cNvPr id="3" name="文字版面配置區 2"/>
+            <a:endParaRPr lang="en-US"/>
+          </a:p>
+        </p:txBody>
+      </p:sp>
+      <p:sp>
+        <p:nvSpPr>
+          <p:cNvPr id="3" name="Text Placeholder 2"/>
           <p:cNvSpPr>
             <a:spLocks noGrp="1"/>
           </p:cNvSpPr>
@@ -1460,15 +1444,21 @@
         <p:spPr>
           <a:xfrm>
             <a:off x="457200" y="1535113"/>
-            <a:ext cx="4040188" cy="639762"/>
+            <a:ext cx="3657600" cy="639762"/>
           </a:xfrm>
         </p:spPr>
         <p:txBody>
-          <a:bodyPr anchor="b"/>
+          <a:bodyPr anchor="b">
+            <a:noAutofit/>
+          </a:bodyPr>
           <a:lstStyle>
-            <a:lvl1pPr marL="0" indent="0">
-              <a:buNone/>
-              <a:defRPr sz="2400" b="1"/>
+            <a:lvl1pPr marL="0" indent="0" algn="ctr">
+              <a:buNone/>
+              <a:defRPr sz="2000" b="1">
+                <a:solidFill>
+                  <a:schemeClr val="tx2"/>
+                </a:solidFill>
+              </a:defRPr>
             </a:lvl1pPr>
             <a:lvl2pPr marL="457200" indent="0">
               <a:buNone/>
@@ -1506,7 +1496,7 @@
           <a:p>
             <a:pPr lvl="0"/>
             <a:r>
-              <a:rPr kumimoji="1" lang="zh-TW" altLang="en-US" smtClean="0"/>
+              <a:rPr lang="zh-TW" altLang="en-US" smtClean="0"/>
               <a:t>按一下以編輯母片文字樣式</a:t>
             </a:r>
           </a:p>
@@ -1514,7 +1504,7 @@
       </p:sp>
       <p:sp>
         <p:nvSpPr>
-          <p:cNvPr id="4" name="內容版面配置區 3"/>
+          <p:cNvPr id="4" name="Content Placeholder 3"/>
           <p:cNvSpPr>
             <a:spLocks noGrp="1"/>
           </p:cNvSpPr>
@@ -1525,7 +1515,7 @@
         <p:spPr>
           <a:xfrm>
             <a:off x="457200" y="2174875"/>
-            <a:ext cx="4040188" cy="3951288"/>
+            <a:ext cx="3657600" cy="3951288"/>
           </a:xfrm>
         </p:spPr>
         <p:txBody>
@@ -1562,44 +1552,44 @@
           <a:p>
             <a:pPr lvl="0"/>
             <a:r>
-              <a:rPr kumimoji="1" lang="zh-TW" altLang="en-US" smtClean="0"/>
+              <a:rPr lang="zh-TW" altLang="en-US" smtClean="0"/>
               <a:t>按一下以編輯母片文字樣式</a:t>
             </a:r>
           </a:p>
           <a:p>
             <a:pPr lvl="1"/>
             <a:r>
-              <a:rPr kumimoji="1" lang="zh-TW" altLang="en-US" smtClean="0"/>
+              <a:rPr lang="zh-TW" altLang="en-US" smtClean="0"/>
               <a:t>第二層</a:t>
             </a:r>
           </a:p>
           <a:p>
             <a:pPr lvl="2"/>
             <a:r>
-              <a:rPr kumimoji="1" lang="zh-TW" altLang="en-US" smtClean="0"/>
+              <a:rPr lang="zh-TW" altLang="en-US" smtClean="0"/>
               <a:t>第三層</a:t>
             </a:r>
           </a:p>
           <a:p>
             <a:pPr lvl="3"/>
             <a:r>
-              <a:rPr kumimoji="1" lang="zh-TW" altLang="en-US" smtClean="0"/>
+              <a:rPr lang="zh-TW" altLang="en-US" smtClean="0"/>
               <a:t>第四層</a:t>
             </a:r>
           </a:p>
           <a:p>
             <a:pPr lvl="4"/>
             <a:r>
-              <a:rPr kumimoji="1" lang="zh-TW" altLang="en-US" smtClean="0"/>
+              <a:rPr lang="zh-TW" altLang="en-US" smtClean="0"/>
               <a:t>第五層</a:t>
             </a:r>
-            <a:endParaRPr kumimoji="1" lang="zh-TW" altLang="en-US"/>
-          </a:p>
-        </p:txBody>
-      </p:sp>
-      <p:sp>
-        <p:nvSpPr>
-          <p:cNvPr id="5" name="文字版面配置區 4"/>
+            <a:endParaRPr lang="en-US" dirty="0"/>
+          </a:p>
+        </p:txBody>
+      </p:sp>
+      <p:sp>
+        <p:nvSpPr>
+          <p:cNvPr id="5" name="Text Placeholder 4"/>
           <p:cNvSpPr>
             <a:spLocks noGrp="1"/>
           </p:cNvSpPr>
@@ -1609,16 +1599,22 @@
         </p:nvSpPr>
         <p:spPr>
           <a:xfrm>
-            <a:off x="4645025" y="1535113"/>
-            <a:ext cx="4041775" cy="639762"/>
+            <a:off x="4419600" y="1535113"/>
+            <a:ext cx="3657600" cy="639762"/>
           </a:xfrm>
         </p:spPr>
         <p:txBody>
-          <a:bodyPr anchor="b"/>
+          <a:bodyPr anchor="b">
+            <a:noAutofit/>
+          </a:bodyPr>
           <a:lstStyle>
-            <a:lvl1pPr marL="0" indent="0">
-              <a:buNone/>
-              <a:defRPr sz="2400" b="1"/>
+            <a:lvl1pPr marL="0" indent="0" algn="ctr">
+              <a:buNone/>
+              <a:defRPr sz="2000" b="1">
+                <a:solidFill>
+                  <a:schemeClr val="tx2"/>
+                </a:solidFill>
+              </a:defRPr>
             </a:lvl1pPr>
             <a:lvl2pPr marL="457200" indent="0">
               <a:buNone/>
@@ -1656,7 +1652,7 @@
           <a:p>
             <a:pPr lvl="0"/>
             <a:r>
-              <a:rPr kumimoji="1" lang="zh-TW" altLang="en-US" smtClean="0"/>
+              <a:rPr lang="zh-TW" altLang="en-US" smtClean="0"/>
               <a:t>按一下以編輯母片文字樣式</a:t>
             </a:r>
           </a:p>
@@ -1664,7 +1660,7 @@
       </p:sp>
       <p:sp>
         <p:nvSpPr>
-          <p:cNvPr id="6" name="內容版面配置區 5"/>
+          <p:cNvPr id="6" name="Content Placeholder 5"/>
           <p:cNvSpPr>
             <a:spLocks noGrp="1"/>
           </p:cNvSpPr>
@@ -1674,8 +1670,8 @@
         </p:nvSpPr>
         <p:spPr>
           <a:xfrm>
-            <a:off x="4645025" y="2174875"/>
-            <a:ext cx="4041775" cy="3951288"/>
+            <a:off x="4419600" y="2174875"/>
+            <a:ext cx="3657600" cy="3951288"/>
           </a:xfrm>
         </p:spPr>
         <p:txBody>
@@ -1712,44 +1708,44 @@
           <a:p>
             <a:pPr lvl="0"/>
             <a:r>
-              <a:rPr kumimoji="1" lang="zh-TW" altLang="en-US" smtClean="0"/>
+              <a:rPr lang="zh-TW" altLang="en-US" smtClean="0"/>
               <a:t>按一下以編輯母片文字樣式</a:t>
             </a:r>
           </a:p>
           <a:p>
             <a:pPr lvl="1"/>
             <a:r>
-              <a:rPr kumimoji="1" lang="zh-TW" altLang="en-US" smtClean="0"/>
+              <a:rPr lang="zh-TW" altLang="en-US" smtClean="0"/>
               <a:t>第二層</a:t>
             </a:r>
           </a:p>
           <a:p>
             <a:pPr lvl="2"/>
             <a:r>
-              <a:rPr kumimoji="1" lang="zh-TW" altLang="en-US" smtClean="0"/>
+              <a:rPr lang="zh-TW" altLang="en-US" smtClean="0"/>
               <a:t>第三層</a:t>
             </a:r>
           </a:p>
           <a:p>
             <a:pPr lvl="3"/>
             <a:r>
-              <a:rPr kumimoji="1" lang="zh-TW" altLang="en-US" smtClean="0"/>
+              <a:rPr lang="zh-TW" altLang="en-US" smtClean="0"/>
               <a:t>第四層</a:t>
             </a:r>
           </a:p>
           <a:p>
             <a:pPr lvl="4"/>
             <a:r>
-              <a:rPr kumimoji="1" lang="zh-TW" altLang="en-US" smtClean="0"/>
+              <a:rPr lang="zh-TW" altLang="en-US" smtClean="0"/>
               <a:t>第五層</a:t>
             </a:r>
-            <a:endParaRPr kumimoji="1" lang="zh-TW" altLang="en-US"/>
-          </a:p>
-        </p:txBody>
-      </p:sp>
-      <p:sp>
-        <p:nvSpPr>
-          <p:cNvPr id="7" name="日期版面配置區 6"/>
+            <a:endParaRPr lang="en-US"/>
+          </a:p>
+        </p:txBody>
+      </p:sp>
+      <p:sp>
+        <p:nvSpPr>
+          <p:cNvPr id="7" name="Date Placeholder 6"/>
           <p:cNvSpPr>
             <a:spLocks noGrp="1"/>
           </p:cNvSpPr>
@@ -1764,7 +1760,7 @@
           <a:p>
             <a:fld id="{3A81A459-E776-7B40-AAC7-C31A505C27D3}" type="datetimeFigureOut">
               <a:rPr kumimoji="1" lang="zh-TW" altLang="en-US" smtClean="0"/>
-              <a:t>15/4/27</a:t>
+              <a:t>15/4/28</a:t>
             </a:fld>
             <a:endParaRPr kumimoji="1" lang="zh-TW" altLang="en-US"/>
           </a:p>
@@ -1772,7 +1768,7 @@
       </p:sp>
       <p:sp>
         <p:nvSpPr>
-          <p:cNvPr id="8" name="頁尾版面配置區 7"/>
+          <p:cNvPr id="8" name="Footer Placeholder 7"/>
           <p:cNvSpPr>
             <a:spLocks noGrp="1"/>
           </p:cNvSpPr>
@@ -1791,7 +1787,7 @@
       </p:sp>
       <p:sp>
         <p:nvSpPr>
-          <p:cNvPr id="9" name="投影片編號版面配置區 8"/>
+          <p:cNvPr id="9" name="Slide Number Placeholder 8"/>
           <p:cNvSpPr>
             <a:spLocks noGrp="1"/>
           </p:cNvSpPr>
@@ -1813,11 +1809,6 @@
         </p:txBody>
       </p:sp>
     </p:spTree>
-    <p:extLst>
-      <p:ext uri="{BB962C8B-B14F-4D97-AF65-F5344CB8AC3E}">
-        <p14:creationId xmlns:p14="http://schemas.microsoft.com/office/powerpoint/2010/main" val="2527177269"/>
-      </p:ext>
-    </p:extLst>
   </p:cSld>
   <p:clrMapOvr>
     <a:masterClrMapping/>
@@ -1844,7 +1835,7 @@
       </p:grpSpPr>
       <p:sp>
         <p:nvSpPr>
-          <p:cNvPr id="2" name="標題 1"/>
+          <p:cNvPr id="2" name="Title 1"/>
           <p:cNvSpPr>
             <a:spLocks noGrp="1"/>
           </p:cNvSpPr>
@@ -1858,16 +1849,16 @@
           <a:lstStyle/>
           <a:p>
             <a:r>
-              <a:rPr kumimoji="1" lang="zh-TW" altLang="en-US" smtClean="0"/>
+              <a:rPr lang="zh-TW" altLang="en-US" smtClean="0"/>
               <a:t>按一下以編輯母片標題樣式</a:t>
             </a:r>
-            <a:endParaRPr kumimoji="1" lang="zh-TW" altLang="en-US"/>
-          </a:p>
-        </p:txBody>
-      </p:sp>
-      <p:sp>
-        <p:nvSpPr>
-          <p:cNvPr id="3" name="日期版面配置區 2"/>
+            <a:endParaRPr lang="en-US"/>
+          </a:p>
+        </p:txBody>
+      </p:sp>
+      <p:sp>
+        <p:nvSpPr>
+          <p:cNvPr id="3" name="Date Placeholder 2"/>
           <p:cNvSpPr>
             <a:spLocks noGrp="1"/>
           </p:cNvSpPr>
@@ -1882,7 +1873,7 @@
           <a:p>
             <a:fld id="{3A81A459-E776-7B40-AAC7-C31A505C27D3}" type="datetimeFigureOut">
               <a:rPr kumimoji="1" lang="zh-TW" altLang="en-US" smtClean="0"/>
-              <a:t>15/4/27</a:t>
+              <a:t>15/4/28</a:t>
             </a:fld>
             <a:endParaRPr kumimoji="1" lang="zh-TW" altLang="en-US"/>
           </a:p>
@@ -1890,7 +1881,7 @@
       </p:sp>
       <p:sp>
         <p:nvSpPr>
-          <p:cNvPr id="4" name="頁尾版面配置區 3"/>
+          <p:cNvPr id="4" name="Footer Placeholder 3"/>
           <p:cNvSpPr>
             <a:spLocks noGrp="1"/>
           </p:cNvSpPr>
@@ -1909,7 +1900,7 @@
       </p:sp>
       <p:sp>
         <p:nvSpPr>
-          <p:cNvPr id="5" name="投影片編號版面配置區 4"/>
+          <p:cNvPr id="5" name="Slide Number Placeholder 4"/>
           <p:cNvSpPr>
             <a:spLocks noGrp="1"/>
           </p:cNvSpPr>
@@ -1931,11 +1922,6 @@
         </p:txBody>
       </p:sp>
     </p:spTree>
-    <p:extLst>
-      <p:ext uri="{BB962C8B-B14F-4D97-AF65-F5344CB8AC3E}">
-        <p14:creationId xmlns:p14="http://schemas.microsoft.com/office/powerpoint/2010/main" val="2881430044"/>
-      </p:ext>
-    </p:extLst>
   </p:cSld>
   <p:clrMapOvr>
     <a:masterClrMapping/>
@@ -1962,7 +1948,7 @@
       </p:grpSpPr>
       <p:sp>
         <p:nvSpPr>
-          <p:cNvPr id="2" name="日期版面配置區 1"/>
+          <p:cNvPr id="2" name="Date Placeholder 1"/>
           <p:cNvSpPr>
             <a:spLocks noGrp="1"/>
           </p:cNvSpPr>
@@ -1977,7 +1963,7 @@
           <a:p>
             <a:fld id="{3A81A459-E776-7B40-AAC7-C31A505C27D3}" type="datetimeFigureOut">
               <a:rPr kumimoji="1" lang="zh-TW" altLang="en-US" smtClean="0"/>
-              <a:t>15/4/27</a:t>
+              <a:t>15/4/28</a:t>
             </a:fld>
             <a:endParaRPr kumimoji="1" lang="zh-TW" altLang="en-US"/>
           </a:p>
@@ -1985,7 +1971,7 @@
       </p:sp>
       <p:sp>
         <p:nvSpPr>
-          <p:cNvPr id="3" name="頁尾版面配置區 2"/>
+          <p:cNvPr id="3" name="Footer Placeholder 2"/>
           <p:cNvSpPr>
             <a:spLocks noGrp="1"/>
           </p:cNvSpPr>
@@ -2004,7 +1990,7 @@
       </p:sp>
       <p:sp>
         <p:nvSpPr>
-          <p:cNvPr id="4" name="投影片編號版面配置區 3"/>
+          <p:cNvPr id="4" name="Slide Number Placeholder 3"/>
           <p:cNvSpPr>
             <a:spLocks noGrp="1"/>
           </p:cNvSpPr>
@@ -2026,11 +2012,6 @@
         </p:txBody>
       </p:sp>
     </p:spTree>
-    <p:extLst>
-      <p:ext uri="{BB962C8B-B14F-4D97-AF65-F5344CB8AC3E}">
-        <p14:creationId xmlns:p14="http://schemas.microsoft.com/office/powerpoint/2010/main" val="104069822"/>
-      </p:ext>
-    </p:extLst>
   </p:cSld>
   <p:clrMapOvr>
     <a:masterClrMapping/>
@@ -2057,7 +2038,7 @@
       </p:grpSpPr>
       <p:sp>
         <p:nvSpPr>
-          <p:cNvPr id="2" name="標題 1"/>
+          <p:cNvPr id="2" name="Title 1"/>
           <p:cNvSpPr>
             <a:spLocks noGrp="1"/>
           </p:cNvSpPr>
@@ -2067,133 +2048,50 @@
         </p:nvSpPr>
         <p:spPr>
           <a:xfrm>
-            <a:off x="457200" y="273050"/>
-            <a:ext cx="3008313" cy="1162050"/>
+            <a:off x="304801" y="5495544"/>
+            <a:ext cx="7772400" cy="594360"/>
           </a:xfrm>
         </p:spPr>
         <p:txBody>
           <a:bodyPr anchor="b"/>
           <a:lstStyle>
-            <a:lvl1pPr algn="l">
-              <a:defRPr sz="2000" b="1"/>
+            <a:lvl1pPr algn="ctr">
+              <a:defRPr sz="2200" b="1"/>
             </a:lvl1pPr>
           </a:lstStyle>
           <a:p>
             <a:r>
-              <a:rPr kumimoji="1" lang="zh-TW" altLang="en-US" smtClean="0"/>
+              <a:rPr lang="zh-TW" altLang="en-US" smtClean="0"/>
               <a:t>按一下以編輯母片標題樣式</a:t>
             </a:r>
-            <a:endParaRPr kumimoji="1" lang="zh-TW" altLang="en-US"/>
-          </a:p>
-        </p:txBody>
-      </p:sp>
-      <p:sp>
-        <p:nvSpPr>
-          <p:cNvPr id="3" name="內容版面配置區 2"/>
-          <p:cNvSpPr>
-            <a:spLocks noGrp="1"/>
-          </p:cNvSpPr>
-          <p:nvPr>
-            <p:ph idx="1"/>
+            <a:endParaRPr lang="en-US" dirty="0"/>
+          </a:p>
+        </p:txBody>
+      </p:sp>
+      <p:sp>
+        <p:nvSpPr>
+          <p:cNvPr id="4" name="Text Placeholder 3"/>
+          <p:cNvSpPr>
+            <a:spLocks noGrp="1"/>
+          </p:cNvSpPr>
+          <p:nvPr>
+            <p:ph type="body" sz="half" idx="2"/>
           </p:nvPr>
         </p:nvSpPr>
         <p:spPr>
           <a:xfrm>
-            <a:off x="3575050" y="273050"/>
-            <a:ext cx="5111750" cy="5853113"/>
+            <a:off x="304799" y="6096000"/>
+            <a:ext cx="7772401" cy="609600"/>
           </a:xfrm>
         </p:spPr>
         <p:txBody>
-          <a:bodyPr/>
+          <a:bodyPr>
+            <a:normAutofit/>
+          </a:bodyPr>
           <a:lstStyle>
-            <a:lvl1pPr>
-              <a:defRPr sz="3200"/>
-            </a:lvl1pPr>
-            <a:lvl2pPr>
-              <a:defRPr sz="2800"/>
-            </a:lvl2pPr>
-            <a:lvl3pPr>
-              <a:defRPr sz="2400"/>
-            </a:lvl3pPr>
-            <a:lvl4pPr>
-              <a:defRPr sz="2000"/>
-            </a:lvl4pPr>
-            <a:lvl5pPr>
-              <a:defRPr sz="2000"/>
-            </a:lvl5pPr>
-            <a:lvl6pPr>
-              <a:defRPr sz="2000"/>
-            </a:lvl6pPr>
-            <a:lvl7pPr>
-              <a:defRPr sz="2000"/>
-            </a:lvl7pPr>
-            <a:lvl8pPr>
-              <a:defRPr sz="2000"/>
-            </a:lvl8pPr>
-            <a:lvl9pPr>
-              <a:defRPr sz="2000"/>
-            </a:lvl9pPr>
-          </a:lstStyle>
-          <a:p>
-            <a:pPr lvl="0"/>
-            <a:r>
-              <a:rPr kumimoji="1" lang="zh-TW" altLang="en-US" smtClean="0"/>
-              <a:t>按一下以編輯母片文字樣式</a:t>
-            </a:r>
-          </a:p>
-          <a:p>
-            <a:pPr lvl="1"/>
-            <a:r>
-              <a:rPr kumimoji="1" lang="zh-TW" altLang="en-US" smtClean="0"/>
-              <a:t>第二層</a:t>
-            </a:r>
-          </a:p>
-          <a:p>
-            <a:pPr lvl="2"/>
-            <a:r>
-              <a:rPr kumimoji="1" lang="zh-TW" altLang="en-US" smtClean="0"/>
-              <a:t>第三層</a:t>
-            </a:r>
-          </a:p>
-          <a:p>
-            <a:pPr lvl="3"/>
-            <a:r>
-              <a:rPr kumimoji="1" lang="zh-TW" altLang="en-US" smtClean="0"/>
-              <a:t>第四層</a:t>
-            </a:r>
-          </a:p>
-          <a:p>
-            <a:pPr lvl="4"/>
-            <a:r>
-              <a:rPr kumimoji="1" lang="zh-TW" altLang="en-US" smtClean="0"/>
-              <a:t>第五層</a:t>
-            </a:r>
-            <a:endParaRPr kumimoji="1" lang="zh-TW" altLang="en-US"/>
-          </a:p>
-        </p:txBody>
-      </p:sp>
-      <p:sp>
-        <p:nvSpPr>
-          <p:cNvPr id="4" name="文字版面配置區 3"/>
-          <p:cNvSpPr>
-            <a:spLocks noGrp="1"/>
-          </p:cNvSpPr>
-          <p:nvPr>
-            <p:ph type="body" sz="half" idx="2"/>
-          </p:nvPr>
-        </p:nvSpPr>
-        <p:spPr>
-          <a:xfrm>
-            <a:off x="457200" y="1435100"/>
-            <a:ext cx="3008313" cy="4691063"/>
-          </a:xfrm>
-        </p:spPr>
-        <p:txBody>
-          <a:bodyPr/>
-          <a:lstStyle>
-            <a:lvl1pPr marL="0" indent="0">
-              <a:buNone/>
-              <a:defRPr sz="1400"/>
+            <a:lvl1pPr marL="0" indent="0" algn="ctr">
+              <a:buNone/>
+              <a:defRPr sz="1600"/>
             </a:lvl1pPr>
             <a:lvl2pPr marL="457200" indent="0">
               <a:buNone/>
@@ -2231,7 +2129,7 @@
           <a:p>
             <a:pPr lvl="0"/>
             <a:r>
-              <a:rPr kumimoji="1" lang="zh-TW" altLang="en-US" smtClean="0"/>
+              <a:rPr lang="zh-TW" altLang="en-US" smtClean="0"/>
               <a:t>按一下以編輯母片文字樣式</a:t>
             </a:r>
           </a:p>
@@ -2239,7 +2137,7 @@
       </p:sp>
       <p:sp>
         <p:nvSpPr>
-          <p:cNvPr id="5" name="日期版面配置區 4"/>
+          <p:cNvPr id="5" name="Date Placeholder 4"/>
           <p:cNvSpPr>
             <a:spLocks noGrp="1"/>
           </p:cNvSpPr>
@@ -2254,7 +2152,7 @@
           <a:p>
             <a:fld id="{3A81A459-E776-7B40-AAC7-C31A505C27D3}" type="datetimeFigureOut">
               <a:rPr kumimoji="1" lang="zh-TW" altLang="en-US" smtClean="0"/>
-              <a:t>15/4/27</a:t>
+              <a:t>15/4/28</a:t>
             </a:fld>
             <a:endParaRPr kumimoji="1" lang="zh-TW" altLang="en-US"/>
           </a:p>
@@ -2262,7 +2160,7 @@
       </p:sp>
       <p:sp>
         <p:nvSpPr>
-          <p:cNvPr id="6" name="頁尾版面配置區 5"/>
+          <p:cNvPr id="6" name="Footer Placeholder 5"/>
           <p:cNvSpPr>
             <a:spLocks noGrp="1"/>
           </p:cNvSpPr>
@@ -2281,7 +2179,7 @@
       </p:sp>
       <p:sp>
         <p:nvSpPr>
-          <p:cNvPr id="7" name="投影片編號版面配置區 6"/>
+          <p:cNvPr id="7" name="Slide Number Placeholder 6"/>
           <p:cNvSpPr>
             <a:spLocks noGrp="1"/>
           </p:cNvSpPr>
@@ -2302,12 +2200,64 @@
           </a:p>
         </p:txBody>
       </p:sp>
+      <p:sp>
+        <p:nvSpPr>
+          <p:cNvPr id="9" name="Content Placeholder 8"/>
+          <p:cNvSpPr>
+            <a:spLocks noGrp="1"/>
+          </p:cNvSpPr>
+          <p:nvPr>
+            <p:ph sz="quarter" idx="13"/>
+          </p:nvPr>
+        </p:nvSpPr>
+        <p:spPr>
+          <a:xfrm>
+            <a:off x="304800" y="381000"/>
+            <a:ext cx="7772400" cy="4942840"/>
+          </a:xfrm>
+        </p:spPr>
+        <p:txBody>
+          <a:bodyPr/>
+          <a:lstStyle/>
+          <a:p>
+            <a:pPr lvl="0"/>
+            <a:r>
+              <a:rPr lang="zh-TW" altLang="en-US" smtClean="0"/>
+              <a:t>按一下以編輯母片文字樣式</a:t>
+            </a:r>
+          </a:p>
+          <a:p>
+            <a:pPr lvl="1"/>
+            <a:r>
+              <a:rPr lang="zh-TW" altLang="en-US" smtClean="0"/>
+              <a:t>第二層</a:t>
+            </a:r>
+          </a:p>
+          <a:p>
+            <a:pPr lvl="2"/>
+            <a:r>
+              <a:rPr lang="zh-TW" altLang="en-US" smtClean="0"/>
+              <a:t>第三層</a:t>
+            </a:r>
+          </a:p>
+          <a:p>
+            <a:pPr lvl="3"/>
+            <a:r>
+              <a:rPr lang="zh-TW" altLang="en-US" smtClean="0"/>
+              <a:t>第四層</a:t>
+            </a:r>
+          </a:p>
+          <a:p>
+            <a:pPr lvl="4"/>
+            <a:r>
+              <a:rPr lang="zh-TW" altLang="en-US" smtClean="0"/>
+              <a:t>第五層</a:t>
+            </a:r>
+            <a:endParaRPr lang="en-US"/>
+          </a:p>
+        </p:txBody>
+      </p:sp>
     </p:spTree>
-    <p:extLst>
-      <p:ext uri="{BB962C8B-B14F-4D97-AF65-F5344CB8AC3E}">
-        <p14:creationId xmlns:p14="http://schemas.microsoft.com/office/powerpoint/2010/main" val="2471787438"/>
-      </p:ext>
-    </p:extLst>
   </p:cSld>
   <p:clrMapOvr>
     <a:masterClrMapping/>
@@ -2334,7 +2284,7 @@
       </p:grpSpPr>
       <p:sp>
         <p:nvSpPr>
-          <p:cNvPr id="2" name="標題 1"/>
+          <p:cNvPr id="2" name="Title 1"/>
           <p:cNvSpPr>
             <a:spLocks noGrp="1"/>
           </p:cNvSpPr>
@@ -2344,29 +2294,36 @@
         </p:nvSpPr>
         <p:spPr>
           <a:xfrm>
-            <a:off x="1792288" y="4800600"/>
-            <a:ext cx="5486400" cy="566738"/>
+            <a:off x="301752" y="5495278"/>
+            <a:ext cx="7772400" cy="594626"/>
           </a:xfrm>
         </p:spPr>
         <p:txBody>
           <a:bodyPr anchor="b"/>
           <a:lstStyle>
-            <a:lvl1pPr algn="l">
-              <a:defRPr sz="2000" b="1"/>
+            <a:lvl1pPr algn="ctr">
+              <a:defRPr sz="2200" b="1">
+                <a:ln>
+                  <a:noFill/>
+                </a:ln>
+                <a:solidFill>
+                  <a:schemeClr val="tx2"/>
+                </a:solidFill>
+              </a:defRPr>
             </a:lvl1pPr>
           </a:lstStyle>
           <a:p>
             <a:r>
-              <a:rPr kumimoji="1" lang="zh-TW" altLang="en-US" smtClean="0"/>
+              <a:rPr lang="zh-TW" altLang="en-US" smtClean="0"/>
               <a:t>按一下以編輯母片標題樣式</a:t>
             </a:r>
-            <a:endParaRPr kumimoji="1" lang="zh-TW" altLang="en-US"/>
-          </a:p>
-        </p:txBody>
-      </p:sp>
-      <p:sp>
-        <p:nvSpPr>
-          <p:cNvPr id="3" name="圖片版面配置區 2"/>
+            <a:endParaRPr lang="en-US" dirty="0"/>
+          </a:p>
+        </p:txBody>
+      </p:sp>
+      <p:sp>
+        <p:nvSpPr>
+          <p:cNvPr id="3" name="Picture Placeholder 2"/>
           <p:cNvSpPr>
             <a:spLocks noGrp="1"/>
           </p:cNvSpPr>
@@ -2376,8 +2333,8 @@
         </p:nvSpPr>
         <p:spPr>
           <a:xfrm>
-            <a:off x="1792288" y="612775"/>
-            <a:ext cx="5486400" cy="4114800"/>
+            <a:off x="0" y="0"/>
+            <a:ext cx="8458200" cy="5486400"/>
           </a:xfrm>
         </p:spPr>
         <p:txBody>
@@ -2421,13 +2378,17 @@
             </a:lvl9pPr>
           </a:lstStyle>
           <a:p>
-            <a:endParaRPr kumimoji="1" lang="zh-TW" altLang="en-US"/>
-          </a:p>
-        </p:txBody>
-      </p:sp>
-      <p:sp>
-        <p:nvSpPr>
-          <p:cNvPr id="4" name="文字版面配置區 3"/>
+            <a:r>
+              <a:rPr lang="zh-TW" altLang="en-US" smtClean="0"/>
+              <a:t>將圖片拖曳至版面配置區或按一下圖示以新增</a:t>
+            </a:r>
+            <a:endParaRPr lang="en-US" dirty="0"/>
+          </a:p>
+        </p:txBody>
+      </p:sp>
+      <p:sp>
+        <p:nvSpPr>
+          <p:cNvPr id="4" name="Text Placeholder 3"/>
           <p:cNvSpPr>
             <a:spLocks noGrp="1"/>
           </p:cNvSpPr>
@@ -2437,16 +2398,18 @@
         </p:nvSpPr>
         <p:spPr>
           <a:xfrm>
-            <a:off x="1792288" y="5367338"/>
-            <a:ext cx="5486400" cy="804862"/>
+            <a:off x="301752" y="6096000"/>
+            <a:ext cx="7772400" cy="612648"/>
           </a:xfrm>
         </p:spPr>
         <p:txBody>
-          <a:bodyPr/>
+          <a:bodyPr>
+            <a:normAutofit/>
+          </a:bodyPr>
           <a:lstStyle>
-            <a:lvl1pPr marL="0" indent="0">
-              <a:buNone/>
-              <a:defRPr sz="1400"/>
+            <a:lvl1pPr marL="0" indent="0" algn="ctr">
+              <a:buNone/>
+              <a:defRPr sz="1600"/>
             </a:lvl1pPr>
             <a:lvl2pPr marL="457200" indent="0">
               <a:buNone/>
@@ -2484,7 +2447,7 @@
           <a:p>
             <a:pPr lvl="0"/>
             <a:r>
-              <a:rPr kumimoji="1" lang="zh-TW" altLang="en-US" smtClean="0"/>
+              <a:rPr lang="zh-TW" altLang="en-US" smtClean="0"/>
               <a:t>按一下以編輯母片文字樣式</a:t>
             </a:r>
           </a:p>
@@ -2492,7 +2455,7 @@
       </p:sp>
       <p:sp>
         <p:nvSpPr>
-          <p:cNvPr id="5" name="日期版面配置區 4"/>
+          <p:cNvPr id="8" name="Date Placeholder 7"/>
           <p:cNvSpPr>
             <a:spLocks noGrp="1"/>
           </p:cNvSpPr>
@@ -2507,7 +2470,7 @@
           <a:p>
             <a:fld id="{3A81A459-E776-7B40-AAC7-C31A505C27D3}" type="datetimeFigureOut">
               <a:rPr kumimoji="1" lang="zh-TW" altLang="en-US" smtClean="0"/>
-              <a:t>15/4/27</a:t>
+              <a:t>15/4/28</a:t>
             </a:fld>
             <a:endParaRPr kumimoji="1" lang="zh-TW" altLang="en-US"/>
           </a:p>
@@ -2515,31 +2478,12 @@
       </p:sp>
       <p:sp>
         <p:nvSpPr>
-          <p:cNvPr id="6" name="頁尾版面配置區 5"/>
-          <p:cNvSpPr>
-            <a:spLocks noGrp="1"/>
-          </p:cNvSpPr>
-          <p:nvPr>
-            <p:ph type="ftr" sz="quarter" idx="11"/>
-          </p:nvPr>
-        </p:nvSpPr>
-        <p:spPr/>
-        <p:txBody>
-          <a:bodyPr/>
-          <a:lstStyle/>
-          <a:p>
-            <a:endParaRPr kumimoji="1" lang="zh-TW" altLang="en-US"/>
-          </a:p>
-        </p:txBody>
-      </p:sp>
-      <p:sp>
-        <p:nvSpPr>
-          <p:cNvPr id="7" name="投影片編號版面配置區 6"/>
-          <p:cNvSpPr>
-            <a:spLocks noGrp="1"/>
-          </p:cNvSpPr>
-          <p:nvPr>
-            <p:ph type="sldNum" sz="quarter" idx="12"/>
+          <p:cNvPr id="9" name="Slide Number Placeholder 8"/>
+          <p:cNvSpPr>
+            <a:spLocks noGrp="1"/>
+          </p:cNvSpPr>
+          <p:nvPr>
+            <p:ph type="sldNum" sz="quarter" idx="11"/>
           </p:nvPr>
         </p:nvSpPr>
         <p:spPr/>
@@ -2555,12 +2499,26 @@
           </a:p>
         </p:txBody>
       </p:sp>
+      <p:sp>
+        <p:nvSpPr>
+          <p:cNvPr id="10" name="Footer Placeholder 9"/>
+          <p:cNvSpPr>
+            <a:spLocks noGrp="1"/>
+          </p:cNvSpPr>
+          <p:nvPr>
+            <p:ph type="ftr" sz="quarter" idx="12"/>
+          </p:nvPr>
+        </p:nvSpPr>
+        <p:spPr/>
+        <p:txBody>
+          <a:bodyPr/>
+          <a:lstStyle/>
+          <a:p>
+            <a:endParaRPr kumimoji="1" lang="zh-TW" altLang="en-US"/>
+          </a:p>
+        </p:txBody>
+      </p:sp>
     </p:spTree>
-    <p:extLst>
-      <p:ext uri="{BB962C8B-B14F-4D97-AF65-F5344CB8AC3E}">
-        <p14:creationId xmlns:p14="http://schemas.microsoft.com/office/powerpoint/2010/main" val="1587683907"/>
-      </p:ext>
-    </p:extLst>
   </p:cSld>
   <p:clrMapOvr>
     <a:masterClrMapping/>
@@ -2572,7 +2530,7 @@
 <p:sldMaster xmlns:a="http://schemas.openxmlformats.org/drawingml/2006/main" xmlns:r="http://schemas.openxmlformats.org/officeDocument/2006/relationships" xmlns:p="http://schemas.openxmlformats.org/presentationml/2006/main">
   <p:cSld>
     <p:bg>
-      <p:bgRef idx="1001">
+      <p:bgRef idx="1002">
         <a:schemeClr val="bg1"/>
       </p:bgRef>
     </p:bg>
@@ -2592,7 +2550,7 @@
       </p:grpSpPr>
       <p:sp>
         <p:nvSpPr>
-          <p:cNvPr id="2" name="標題版面配置區 1"/>
+          <p:cNvPr id="2" name="Title Placeholder 1"/>
           <p:cNvSpPr>
             <a:spLocks noGrp="1"/>
           </p:cNvSpPr>
@@ -2603,7 +2561,7 @@
         <p:spPr>
           <a:xfrm>
             <a:off x="457200" y="274638"/>
-            <a:ext cx="8229600" cy="1143000"/>
+            <a:ext cx="7620000" cy="1143000"/>
           </a:xfrm>
           <a:prstGeom prst="rect">
             <a:avLst/>
@@ -2611,21 +2569,21 @@
         </p:spPr>
         <p:txBody>
           <a:bodyPr vert="horz" lIns="91440" tIns="45720" rIns="91440" bIns="45720" rtlCol="0" anchor="ctr">
-            <a:normAutofit/>
+            <a:noAutofit/>
           </a:bodyPr>
           <a:lstStyle/>
           <a:p>
             <a:r>
-              <a:rPr kumimoji="1" lang="zh-TW" altLang="en-US" smtClean="0"/>
+              <a:rPr lang="zh-TW" altLang="en-US" smtClean="0"/>
               <a:t>按一下以編輯母片標題樣式</a:t>
             </a:r>
-            <a:endParaRPr kumimoji="1" lang="zh-TW" altLang="en-US"/>
-          </a:p>
-        </p:txBody>
-      </p:sp>
-      <p:sp>
-        <p:nvSpPr>
-          <p:cNvPr id="3" name="文字版面配置區 2"/>
+            <a:endParaRPr lang="en-US" dirty="0"/>
+          </a:p>
+        </p:txBody>
+      </p:sp>
+      <p:sp>
+        <p:nvSpPr>
+          <p:cNvPr id="3" name="Text Placeholder 2"/>
           <p:cNvSpPr>
             <a:spLocks noGrp="1"/>
           </p:cNvSpPr>
@@ -2636,7 +2594,7 @@
         <p:spPr>
           <a:xfrm>
             <a:off x="457200" y="1600200"/>
-            <a:ext cx="8229600" cy="4525963"/>
+            <a:ext cx="7620000" cy="4800600"/>
           </a:xfrm>
           <a:prstGeom prst="rect">
             <a:avLst/>
@@ -2650,55 +2608,193 @@
           <a:p>
             <a:pPr lvl="0"/>
             <a:r>
-              <a:rPr kumimoji="1" lang="zh-TW" altLang="en-US" smtClean="0"/>
+              <a:rPr lang="zh-TW" altLang="en-US" smtClean="0"/>
               <a:t>按一下以編輯母片文字樣式</a:t>
             </a:r>
           </a:p>
           <a:p>
             <a:pPr lvl="1"/>
             <a:r>
-              <a:rPr kumimoji="1" lang="zh-TW" altLang="en-US" smtClean="0"/>
+              <a:rPr lang="zh-TW" altLang="en-US" smtClean="0"/>
               <a:t>第二層</a:t>
             </a:r>
           </a:p>
           <a:p>
             <a:pPr lvl="2"/>
             <a:r>
-              <a:rPr kumimoji="1" lang="zh-TW" altLang="en-US" smtClean="0"/>
+              <a:rPr lang="zh-TW" altLang="en-US" smtClean="0"/>
               <a:t>第三層</a:t>
             </a:r>
           </a:p>
           <a:p>
             <a:pPr lvl="3"/>
             <a:r>
-              <a:rPr kumimoji="1" lang="zh-TW" altLang="en-US" smtClean="0"/>
+              <a:rPr lang="zh-TW" altLang="en-US" smtClean="0"/>
               <a:t>第四層</a:t>
             </a:r>
           </a:p>
           <a:p>
             <a:pPr lvl="4"/>
             <a:r>
-              <a:rPr kumimoji="1" lang="zh-TW" altLang="en-US" smtClean="0"/>
+              <a:rPr lang="zh-TW" altLang="en-US" smtClean="0"/>
               <a:t>第五層</a:t>
             </a:r>
-            <a:endParaRPr kumimoji="1" lang="zh-TW" altLang="en-US"/>
-          </a:p>
-        </p:txBody>
-      </p:sp>
-      <p:sp>
-        <p:nvSpPr>
-          <p:cNvPr id="4" name="日期版面配置區 3"/>
-          <p:cNvSpPr>
-            <a:spLocks noGrp="1"/>
-          </p:cNvSpPr>
-          <p:nvPr>
-            <p:ph type="dt" sz="half" idx="2"/>
-          </p:nvPr>
+            <a:endParaRPr lang="en-US" dirty="0"/>
+          </a:p>
+        </p:txBody>
+      </p:sp>
+      <p:sp>
+        <p:nvSpPr>
+          <p:cNvPr id="7" name="Rectangle 6"/>
+          <p:cNvSpPr/>
+          <p:nvPr/>
         </p:nvSpPr>
         <p:spPr>
           <a:xfrm>
-            <a:off x="457200" y="6356350"/>
-            <a:ext cx="2133600" cy="365125"/>
+            <a:off x="8458200" y="0"/>
+            <a:ext cx="685800" cy="6858000"/>
+          </a:xfrm>
+          <a:prstGeom prst="rect">
+            <a:avLst/>
+          </a:prstGeom>
+          <a:solidFill>
+            <a:schemeClr val="tx2"/>
+          </a:solidFill>
+          <a:ln>
+            <a:noFill/>
+          </a:ln>
+        </p:spPr>
+        <p:style>
+          <a:lnRef idx="2">
+            <a:schemeClr val="accent1">
+              <a:shade val="50000"/>
+            </a:schemeClr>
+          </a:lnRef>
+          <a:fillRef idx="1">
+            <a:schemeClr val="accent1"/>
+          </a:fillRef>
+          <a:effectRef idx="0">
+            <a:schemeClr val="accent1"/>
+          </a:effectRef>
+          <a:fontRef idx="minor">
+            <a:schemeClr val="lt1"/>
+          </a:fontRef>
+        </p:style>
+        <p:txBody>
+          <a:bodyPr rtlCol="0" anchor="ctr"/>
+          <a:lstStyle/>
+          <a:p>
+            <a:pPr algn="ctr"/>
+            <a:endParaRPr lang="en-US"/>
+          </a:p>
+        </p:txBody>
+      </p:sp>
+      <p:sp>
+        <p:nvSpPr>
+          <p:cNvPr id="8" name="Rectangle 7"/>
+          <p:cNvSpPr/>
+          <p:nvPr/>
+        </p:nvSpPr>
+        <p:spPr>
+          <a:xfrm>
+            <a:off x="8458200" y="5486400"/>
+            <a:ext cx="685800" cy="685800"/>
+          </a:xfrm>
+          <a:prstGeom prst="rect">
+            <a:avLst/>
+          </a:prstGeom>
+          <a:solidFill>
+            <a:schemeClr val="accent1"/>
+          </a:solidFill>
+          <a:ln>
+            <a:noFill/>
+          </a:ln>
+        </p:spPr>
+        <p:style>
+          <a:lnRef idx="2">
+            <a:schemeClr val="accent1">
+              <a:shade val="50000"/>
+            </a:schemeClr>
+          </a:lnRef>
+          <a:fillRef idx="1">
+            <a:schemeClr val="accent1"/>
+          </a:fillRef>
+          <a:effectRef idx="0">
+            <a:schemeClr val="accent1"/>
+          </a:effectRef>
+          <a:fontRef idx="minor">
+            <a:schemeClr val="lt1"/>
+          </a:fontRef>
+        </p:style>
+        <p:txBody>
+          <a:bodyPr rtlCol="0" anchor="ctr"/>
+          <a:lstStyle/>
+          <a:p>
+            <a:pPr algn="ctr"/>
+            <a:endParaRPr lang="en-US"/>
+          </a:p>
+        </p:txBody>
+      </p:sp>
+      <p:sp>
+        <p:nvSpPr>
+          <p:cNvPr id="6" name="Slide Number Placeholder 5"/>
+          <p:cNvSpPr>
+            <a:spLocks noGrp="1"/>
+          </p:cNvSpPr>
+          <p:nvPr>
+            <p:ph type="sldNum" sz="quarter" idx="4"/>
+          </p:nvPr>
+        </p:nvSpPr>
+        <p:spPr>
+          <a:xfrm>
+            <a:off x="8531788" y="5648960"/>
+            <a:ext cx="548640" cy="396240"/>
+          </a:xfrm>
+          <a:prstGeom prst="bracketPair">
+            <a:avLst>
+              <a:gd name="adj" fmla="val 17949"/>
+            </a:avLst>
+          </a:prstGeom>
+          <a:ln w="19050">
+            <a:solidFill>
+              <a:srgbClr val="FFFFFF"/>
+            </a:solidFill>
+          </a:ln>
+        </p:spPr>
+        <p:txBody>
+          <a:bodyPr vert="horz" lIns="0" tIns="0" rIns="0" bIns="0" rtlCol="0" anchor="ctr"/>
+          <a:lstStyle>
+            <a:lvl1pPr algn="ctr">
+              <a:defRPr sz="1800">
+                <a:solidFill>
+                  <a:srgbClr val="FFFFFF"/>
+                </a:solidFill>
+              </a:defRPr>
+            </a:lvl1pPr>
+          </a:lstStyle>
+          <a:p>
+            <a:fld id="{6961F1FA-B045-614A-A92D-1C6358E7981E}" type="slidenum">
+              <a:rPr kumimoji="1" lang="zh-TW" altLang="en-US" smtClean="0"/>
+              <a:t>‹#›</a:t>
+            </a:fld>
+            <a:endParaRPr kumimoji="1" lang="zh-TW" altLang="en-US"/>
+          </a:p>
+        </p:txBody>
+      </p:sp>
+      <p:sp>
+        <p:nvSpPr>
+          <p:cNvPr id="5" name="Footer Placeholder 4"/>
+          <p:cNvSpPr>
+            <a:spLocks noGrp="1"/>
+          </p:cNvSpPr>
+          <p:nvPr>
+            <p:ph type="ftr" sz="quarter" idx="3"/>
+          </p:nvPr>
+        </p:nvSpPr>
+        <p:spPr>
+          <a:xfrm rot="16200000">
+            <a:off x="7586910" y="4048760"/>
+            <a:ext cx="2367281" cy="365760"/>
           </a:xfrm>
           <a:prstGeom prst="rect">
             <a:avLst/>
@@ -2707,39 +2803,33 @@
         <p:txBody>
           <a:bodyPr vert="horz" lIns="91440" tIns="45720" rIns="91440" bIns="45720" rtlCol="0" anchor="ctr"/>
           <a:lstStyle>
-            <a:lvl1pPr algn="l">
+            <a:lvl1pPr algn="r">
               <a:defRPr sz="1200">
                 <a:solidFill>
-                  <a:schemeClr val="tx1">
-                    <a:tint val="75000"/>
-                  </a:schemeClr>
+                  <a:schemeClr val="bg2"/>
                 </a:solidFill>
               </a:defRPr>
             </a:lvl1pPr>
           </a:lstStyle>
           <a:p>
-            <a:fld id="{3A81A459-E776-7B40-AAC7-C31A505C27D3}" type="datetimeFigureOut">
-              <a:rPr kumimoji="1" lang="zh-TW" altLang="en-US" smtClean="0"/>
-              <a:t>15/4/27</a:t>
-            </a:fld>
-            <a:endParaRPr kumimoji="1" lang="zh-TW" altLang="en-US"/>
-          </a:p>
-        </p:txBody>
-      </p:sp>
-      <p:sp>
-        <p:nvSpPr>
-          <p:cNvPr id="5" name="頁尾版面配置區 4"/>
-          <p:cNvSpPr>
-            <a:spLocks noGrp="1"/>
-          </p:cNvSpPr>
-          <p:nvPr>
-            <p:ph type="ftr" sz="quarter" idx="3"/>
+            <a:endParaRPr kumimoji="1" lang="zh-TW" altLang="en-US"/>
+          </a:p>
+        </p:txBody>
+      </p:sp>
+      <p:sp>
+        <p:nvSpPr>
+          <p:cNvPr id="4" name="Date Placeholder 3"/>
+          <p:cNvSpPr>
+            <a:spLocks noGrp="1"/>
+          </p:cNvSpPr>
+          <p:nvPr>
+            <p:ph type="dt" sz="half" idx="2"/>
           </p:nvPr>
         </p:nvSpPr>
         <p:spPr>
-          <a:xfrm>
-            <a:off x="3124200" y="6356350"/>
-            <a:ext cx="2895600" cy="365125"/>
+          <a:xfrm rot="16200000">
+            <a:off x="7551351" y="1645920"/>
+            <a:ext cx="2438399" cy="365760"/>
           </a:xfrm>
           <a:prstGeom prst="rect">
             <a:avLst/>
@@ -2748,94 +2838,54 @@
         <p:txBody>
           <a:bodyPr vert="horz" lIns="91440" tIns="45720" rIns="91440" bIns="45720" rtlCol="0" anchor="ctr"/>
           <a:lstStyle>
-            <a:lvl1pPr algn="ctr">
+            <a:lvl1pPr algn="l">
               <a:defRPr sz="1200">
                 <a:solidFill>
-                  <a:schemeClr val="tx1">
-                    <a:tint val="75000"/>
-                  </a:schemeClr>
+                  <a:schemeClr val="bg2"/>
                 </a:solidFill>
               </a:defRPr>
             </a:lvl1pPr>
           </a:lstStyle>
           <a:p>
-            <a:endParaRPr kumimoji="1" lang="zh-TW" altLang="en-US"/>
-          </a:p>
-        </p:txBody>
-      </p:sp>
-      <p:sp>
-        <p:nvSpPr>
-          <p:cNvPr id="6" name="投影片編號版面配置區 5"/>
-          <p:cNvSpPr>
-            <a:spLocks noGrp="1"/>
-          </p:cNvSpPr>
-          <p:nvPr>
-            <p:ph type="sldNum" sz="quarter" idx="4"/>
-          </p:nvPr>
-        </p:nvSpPr>
-        <p:spPr>
-          <a:xfrm>
-            <a:off x="6553200" y="6356350"/>
-            <a:ext cx="2133600" cy="365125"/>
-          </a:xfrm>
-          <a:prstGeom prst="rect">
-            <a:avLst/>
-          </a:prstGeom>
-        </p:spPr>
-        <p:txBody>
-          <a:bodyPr vert="horz" lIns="91440" tIns="45720" rIns="91440" bIns="45720" rtlCol="0" anchor="ctr"/>
-          <a:lstStyle>
-            <a:lvl1pPr algn="r">
-              <a:defRPr sz="1200">
-                <a:solidFill>
-                  <a:schemeClr val="tx1">
-                    <a:tint val="75000"/>
-                  </a:schemeClr>
-                </a:solidFill>
-              </a:defRPr>
-            </a:lvl1pPr>
-          </a:lstStyle>
-          <a:p>
-            <a:fld id="{6961F1FA-B045-614A-A92D-1C6358E7981E}" type="slidenum">
+            <a:fld id="{3A81A459-E776-7B40-AAC7-C31A505C27D3}" type="datetimeFigureOut">
               <a:rPr kumimoji="1" lang="zh-TW" altLang="en-US" smtClean="0"/>
-              <a:t>‹#›</a:t>
+              <a:t>15/4/28</a:t>
             </a:fld>
             <a:endParaRPr kumimoji="1" lang="zh-TW" altLang="en-US"/>
           </a:p>
         </p:txBody>
       </p:sp>
     </p:spTree>
-    <p:extLst>
-      <p:ext uri="{BB962C8B-B14F-4D97-AF65-F5344CB8AC3E}">
-        <p14:creationId xmlns:p14="http://schemas.microsoft.com/office/powerpoint/2010/main" val="2126852141"/>
-      </p:ext>
-    </p:extLst>
   </p:cSld>
   <p:clrMap bg1="lt1" tx1="dk1" bg2="lt2" tx2="dk2" accent1="accent1" accent2="accent2" accent3="accent3" accent4="accent4" accent5="accent5" accent6="accent6" hlink="hlink" folHlink="folHlink"/>
   <p:sldLayoutIdLst>
-    <p:sldLayoutId id="2147483649" r:id="rId1"/>
-    <p:sldLayoutId id="2147483650" r:id="rId2"/>
-    <p:sldLayoutId id="2147483651" r:id="rId3"/>
-    <p:sldLayoutId id="2147483652" r:id="rId4"/>
-    <p:sldLayoutId id="2147483653" r:id="rId5"/>
-    <p:sldLayoutId id="2147483654" r:id="rId6"/>
-    <p:sldLayoutId id="2147483655" r:id="rId7"/>
-    <p:sldLayoutId id="2147483656" r:id="rId8"/>
-    <p:sldLayoutId id="2147483657" r:id="rId9"/>
-    <p:sldLayoutId id="2147483658" r:id="rId10"/>
-    <p:sldLayoutId id="2147483659" r:id="rId11"/>
+    <p:sldLayoutId id="2147483673" r:id="rId1"/>
+    <p:sldLayoutId id="2147483674" r:id="rId2"/>
+    <p:sldLayoutId id="2147483675" r:id="rId3"/>
+    <p:sldLayoutId id="2147483676" r:id="rId4"/>
+    <p:sldLayoutId id="2147483677" r:id="rId5"/>
+    <p:sldLayoutId id="2147483678" r:id="rId6"/>
+    <p:sldLayoutId id="2147483679" r:id="rId7"/>
+    <p:sldLayoutId id="2147483680" r:id="rId8"/>
+    <p:sldLayoutId id="2147483681" r:id="rId9"/>
+    <p:sldLayoutId id="2147483682" r:id="rId10"/>
+    <p:sldLayoutId id="2147483683" r:id="rId11"/>
   </p:sldLayoutIdLst>
   <p:txStyles>
     <p:titleStyle>
-      <a:lvl1pPr algn="ctr" defTabSz="457200" rtl="0" eaLnBrk="1" latinLnBrk="0" hangingPunct="1">
+      <a:lvl1pPr algn="l" defTabSz="914400" rtl="0" eaLnBrk="1" latinLnBrk="0" hangingPunct="1">
         <a:spcBef>
           <a:spcPct val="0"/>
         </a:spcBef>
         <a:buNone/>
-        <a:defRPr sz="4400" kern="1200">
+        <a:defRPr sz="4600" kern="1200" cap="none" spc="-100" baseline="0">
+          <a:ln>
+            <a:noFill/>
+          </a:ln>
           <a:solidFill>
-            <a:schemeClr val="tx1"/>
+            <a:schemeClr val="tx2"/>
           </a:solidFill>
+          <a:effectLst/>
           <a:latin typeface="+mj-lt"/>
           <a:ea typeface="+mj-ea"/>
           <a:cs typeface="+mj-cs"/>
@@ -2843,13 +2893,16 @@
       </a:lvl1pPr>
     </p:titleStyle>
     <p:bodyStyle>
-      <a:lvl1pPr marL="342900" indent="-342900" algn="l" defTabSz="457200" rtl="0" eaLnBrk="1" latinLnBrk="0" hangingPunct="1">
+      <a:lvl1pPr marL="342900" indent="-228600" algn="l" defTabSz="914400" rtl="0" eaLnBrk="1" latinLnBrk="0" hangingPunct="1">
         <a:spcBef>
           <a:spcPct val="20000"/>
         </a:spcBef>
-        <a:buFont typeface="Arial"/>
+        <a:buClr>
+          <a:schemeClr val="accent1"/>
+        </a:buClr>
+        <a:buFont typeface="Arial" pitchFamily="34" charset="0"/>
         <a:buChar char="•"/>
-        <a:defRPr sz="3200" kern="1200">
+        <a:defRPr sz="2200" kern="1200">
           <a:solidFill>
             <a:schemeClr val="tx1"/>
           </a:solidFill>
@@ -2858,71 +2911,14 @@
           <a:cs typeface="+mn-cs"/>
         </a:defRPr>
       </a:lvl1pPr>
-      <a:lvl2pPr marL="742950" indent="-285750" algn="l" defTabSz="457200" rtl="0" eaLnBrk="1" latinLnBrk="0" hangingPunct="1">
+      <a:lvl2pPr marL="640080" indent="-228600" algn="l" defTabSz="914400" rtl="0" eaLnBrk="1" latinLnBrk="0" hangingPunct="1">
         <a:spcBef>
           <a:spcPct val="20000"/>
         </a:spcBef>
-        <a:buFont typeface="Arial"/>
-        <a:buChar char="–"/>
-        <a:defRPr sz="2800" kern="1200">
-          <a:solidFill>
-            <a:schemeClr val="tx1"/>
-          </a:solidFill>
-          <a:latin typeface="+mn-lt"/>
-          <a:ea typeface="+mn-ea"/>
-          <a:cs typeface="+mn-cs"/>
-        </a:defRPr>
-      </a:lvl2pPr>
-      <a:lvl3pPr marL="1143000" indent="-228600" algn="l" defTabSz="457200" rtl="0" eaLnBrk="1" latinLnBrk="0" hangingPunct="1">
-        <a:spcBef>
-          <a:spcPct val="20000"/>
-        </a:spcBef>
-        <a:buFont typeface="Arial"/>
-        <a:buChar char="•"/>
-        <a:defRPr sz="2400" kern="1200">
-          <a:solidFill>
-            <a:schemeClr val="tx1"/>
-          </a:solidFill>
-          <a:latin typeface="+mn-lt"/>
-          <a:ea typeface="+mn-ea"/>
-          <a:cs typeface="+mn-cs"/>
-        </a:defRPr>
-      </a:lvl3pPr>
-      <a:lvl4pPr marL="1600200" indent="-228600" algn="l" defTabSz="457200" rtl="0" eaLnBrk="1" latinLnBrk="0" hangingPunct="1">
-        <a:spcBef>
-          <a:spcPct val="20000"/>
-        </a:spcBef>
-        <a:buFont typeface="Arial"/>
-        <a:buChar char="–"/>
-        <a:defRPr sz="2000" kern="1200">
-          <a:solidFill>
-            <a:schemeClr val="tx1"/>
-          </a:solidFill>
-          <a:latin typeface="+mn-lt"/>
-          <a:ea typeface="+mn-ea"/>
-          <a:cs typeface="+mn-cs"/>
-        </a:defRPr>
-      </a:lvl4pPr>
-      <a:lvl5pPr marL="2057400" indent="-228600" algn="l" defTabSz="457200" rtl="0" eaLnBrk="1" latinLnBrk="0" hangingPunct="1">
-        <a:spcBef>
-          <a:spcPct val="20000"/>
-        </a:spcBef>
-        <a:buFont typeface="Arial"/>
-        <a:buChar char="»"/>
-        <a:defRPr sz="2000" kern="1200">
-          <a:solidFill>
-            <a:schemeClr val="tx1"/>
-          </a:solidFill>
-          <a:latin typeface="+mn-lt"/>
-          <a:ea typeface="+mn-ea"/>
-          <a:cs typeface="+mn-cs"/>
-        </a:defRPr>
-      </a:lvl5pPr>
-      <a:lvl6pPr marL="2514600" indent="-228600" algn="l" defTabSz="457200" rtl="0" eaLnBrk="1" latinLnBrk="0" hangingPunct="1">
-        <a:spcBef>
-          <a:spcPct val="20000"/>
-        </a:spcBef>
-        <a:buFont typeface="Arial"/>
+        <a:buClr>
+          <a:schemeClr val="accent2"/>
+        </a:buClr>
+        <a:buFont typeface="Arial" pitchFamily="34" charset="0"/>
         <a:buChar char="•"/>
         <a:defRPr sz="2000" kern="1200">
           <a:solidFill>
@@ -2932,14 +2928,89 @@
           <a:ea typeface="+mn-ea"/>
           <a:cs typeface="+mn-cs"/>
         </a:defRPr>
-      </a:lvl6pPr>
-      <a:lvl7pPr marL="2971800" indent="-228600" algn="l" defTabSz="457200" rtl="0" eaLnBrk="1" latinLnBrk="0" hangingPunct="1">
+      </a:lvl2pPr>
+      <a:lvl3pPr marL="1005840" indent="-228600" algn="l" defTabSz="914400" rtl="0" eaLnBrk="1" latinLnBrk="0" hangingPunct="1">
         <a:spcBef>
           <a:spcPct val="20000"/>
         </a:spcBef>
-        <a:buFont typeface="Arial"/>
+        <a:buClr>
+          <a:schemeClr val="accent3"/>
+        </a:buClr>
+        <a:buFont typeface="Arial" pitchFamily="34" charset="0"/>
         <a:buChar char="•"/>
-        <a:defRPr sz="2000" kern="1200">
+        <a:defRPr sz="1800" kern="1200">
+          <a:solidFill>
+            <a:schemeClr val="tx1"/>
+          </a:solidFill>
+          <a:latin typeface="+mn-lt"/>
+          <a:ea typeface="+mn-ea"/>
+          <a:cs typeface="+mn-cs"/>
+        </a:defRPr>
+      </a:lvl3pPr>
+      <a:lvl4pPr marL="1280160" indent="-228600" algn="l" defTabSz="914400" rtl="0" eaLnBrk="1" latinLnBrk="0" hangingPunct="1">
+        <a:spcBef>
+          <a:spcPct val="20000"/>
+        </a:spcBef>
+        <a:buClr>
+          <a:schemeClr val="accent4"/>
+        </a:buClr>
+        <a:buFont typeface="Arial" pitchFamily="34" charset="0"/>
+        <a:buChar char="•"/>
+        <a:defRPr sz="1600" kern="1200">
+          <a:solidFill>
+            <a:schemeClr val="tx1"/>
+          </a:solidFill>
+          <a:latin typeface="+mn-lt"/>
+          <a:ea typeface="+mn-ea"/>
+          <a:cs typeface="+mn-cs"/>
+        </a:defRPr>
+      </a:lvl4pPr>
+      <a:lvl5pPr marL="1554480" indent="-228600" algn="l" defTabSz="914400" rtl="0" eaLnBrk="1" latinLnBrk="0" hangingPunct="1">
+        <a:spcBef>
+          <a:spcPct val="20000"/>
+        </a:spcBef>
+        <a:buClr>
+          <a:schemeClr val="accent5"/>
+        </a:buClr>
+        <a:buFont typeface="Arial" pitchFamily="34" charset="0"/>
+        <a:buChar char="•"/>
+        <a:defRPr sz="1400" kern="1200" baseline="0">
+          <a:solidFill>
+            <a:schemeClr val="tx1"/>
+          </a:solidFill>
+          <a:latin typeface="+mn-lt"/>
+          <a:ea typeface="+mn-ea"/>
+          <a:cs typeface="+mn-cs"/>
+        </a:defRPr>
+      </a:lvl5pPr>
+      <a:lvl6pPr marL="1737360" indent="-182880" algn="l" defTabSz="914400" rtl="0" eaLnBrk="1" latinLnBrk="0" hangingPunct="1">
+        <a:spcBef>
+          <a:spcPct val="20000"/>
+        </a:spcBef>
+        <a:buClr>
+          <a:schemeClr val="accent1"/>
+        </a:buClr>
+        <a:buFont typeface="Arial" pitchFamily="34" charset="0"/>
+        <a:buChar char="•"/>
+        <a:defRPr sz="1400" kern="1200" baseline="0">
+          <a:solidFill>
+            <a:schemeClr val="tx1"/>
+          </a:solidFill>
+          <a:latin typeface="+mn-lt"/>
+          <a:ea typeface="+mn-ea"/>
+          <a:cs typeface="+mn-cs"/>
+        </a:defRPr>
+      </a:lvl6pPr>
+      <a:lvl7pPr marL="1920240" indent="-182880" algn="l" defTabSz="914400" rtl="0" eaLnBrk="1" latinLnBrk="0" hangingPunct="1">
+        <a:spcBef>
+          <a:spcPct val="20000"/>
+        </a:spcBef>
+        <a:buClr>
+          <a:schemeClr val="accent2"/>
+        </a:buClr>
+        <a:buFont typeface="Arial" pitchFamily="34" charset="0"/>
+        <a:buChar char="•"/>
+        <a:defRPr sz="1400" kern="1200">
           <a:solidFill>
             <a:schemeClr val="tx1"/>
           </a:solidFill>
@@ -2948,13 +3019,16 @@
           <a:cs typeface="+mn-cs"/>
         </a:defRPr>
       </a:lvl7pPr>
-      <a:lvl8pPr marL="3429000" indent="-228600" algn="l" defTabSz="457200" rtl="0" eaLnBrk="1" latinLnBrk="0" hangingPunct="1">
+      <a:lvl8pPr marL="2103120" indent="-182880" algn="l" defTabSz="914400" rtl="0" eaLnBrk="1" latinLnBrk="0" hangingPunct="1">
         <a:spcBef>
           <a:spcPct val="20000"/>
         </a:spcBef>
-        <a:buFont typeface="Arial"/>
+        <a:buClr>
+          <a:schemeClr val="accent3"/>
+        </a:buClr>
+        <a:buFont typeface="Arial" pitchFamily="34" charset="0"/>
         <a:buChar char="•"/>
-        <a:defRPr sz="2000" kern="1200">
+        <a:defRPr sz="1400" kern="1200">
           <a:solidFill>
             <a:schemeClr val="tx1"/>
           </a:solidFill>
@@ -2963,13 +3037,16 @@
           <a:cs typeface="+mn-cs"/>
         </a:defRPr>
       </a:lvl8pPr>
-      <a:lvl9pPr marL="3886200" indent="-228600" algn="l" defTabSz="457200" rtl="0" eaLnBrk="1" latinLnBrk="0" hangingPunct="1">
+      <a:lvl9pPr marL="2286000" indent="-182880" algn="l" defTabSz="914400" rtl="0" eaLnBrk="1" latinLnBrk="0" hangingPunct="1">
         <a:spcBef>
           <a:spcPct val="20000"/>
         </a:spcBef>
-        <a:buFont typeface="Arial"/>
+        <a:buClr>
+          <a:schemeClr val="accent4"/>
+        </a:buClr>
+        <a:buFont typeface="Arial" pitchFamily="34" charset="0"/>
         <a:buChar char="•"/>
-        <a:defRPr sz="2000" kern="1200">
+        <a:defRPr sz="1400" kern="1200">
           <a:solidFill>
             <a:schemeClr val="tx1"/>
           </a:solidFill>
@@ -2981,9 +3058,9 @@
     </p:bodyStyle>
     <p:otherStyle>
       <a:defPPr>
-        <a:defRPr lang="zh-TW"/>
+        <a:defRPr lang="en-US"/>
       </a:defPPr>
-      <a:lvl1pPr marL="0" algn="l" defTabSz="457200" rtl="0" eaLnBrk="1" latinLnBrk="0" hangingPunct="1">
+      <a:lvl1pPr marL="0" algn="l" defTabSz="914400" rtl="0" eaLnBrk="1" latinLnBrk="0" hangingPunct="1">
         <a:defRPr sz="1800" kern="1200">
           <a:solidFill>
             <a:schemeClr val="tx1"/>
@@ -2993,7 +3070,7 @@
           <a:cs typeface="+mn-cs"/>
         </a:defRPr>
       </a:lvl1pPr>
-      <a:lvl2pPr marL="457200" algn="l" defTabSz="457200" rtl="0" eaLnBrk="1" latinLnBrk="0" hangingPunct="1">
+      <a:lvl2pPr marL="457200" algn="l" defTabSz="914400" rtl="0" eaLnBrk="1" latinLnBrk="0" hangingPunct="1">
         <a:defRPr sz="1800" kern="1200">
           <a:solidFill>
             <a:schemeClr val="tx1"/>
@@ -3003,7 +3080,7 @@
           <a:cs typeface="+mn-cs"/>
         </a:defRPr>
       </a:lvl2pPr>
-      <a:lvl3pPr marL="914400" algn="l" defTabSz="457200" rtl="0" eaLnBrk="1" latinLnBrk="0" hangingPunct="1">
+      <a:lvl3pPr marL="914400" algn="l" defTabSz="914400" rtl="0" eaLnBrk="1" latinLnBrk="0" hangingPunct="1">
         <a:defRPr sz="1800" kern="1200">
           <a:solidFill>
             <a:schemeClr val="tx1"/>
@@ -3013,7 +3090,7 @@
           <a:cs typeface="+mn-cs"/>
         </a:defRPr>
       </a:lvl3pPr>
-      <a:lvl4pPr marL="1371600" algn="l" defTabSz="457200" rtl="0" eaLnBrk="1" latinLnBrk="0" hangingPunct="1">
+      <a:lvl4pPr marL="1371600" algn="l" defTabSz="914400" rtl="0" eaLnBrk="1" latinLnBrk="0" hangingPunct="1">
         <a:defRPr sz="1800" kern="1200">
           <a:solidFill>
             <a:schemeClr val="tx1"/>
@@ -3023,7 +3100,7 @@
           <a:cs typeface="+mn-cs"/>
         </a:defRPr>
       </a:lvl4pPr>
-      <a:lvl5pPr marL="1828800" algn="l" defTabSz="457200" rtl="0" eaLnBrk="1" latinLnBrk="0" hangingPunct="1">
+      <a:lvl5pPr marL="1828800" algn="l" defTabSz="914400" rtl="0" eaLnBrk="1" latinLnBrk="0" hangingPunct="1">
         <a:defRPr sz="1800" kern="1200">
           <a:solidFill>
             <a:schemeClr val="tx1"/>
@@ -3033,7 +3110,7 @@
           <a:cs typeface="+mn-cs"/>
         </a:defRPr>
       </a:lvl5pPr>
-      <a:lvl6pPr marL="2286000" algn="l" defTabSz="457200" rtl="0" eaLnBrk="1" latinLnBrk="0" hangingPunct="1">
+      <a:lvl6pPr marL="2286000" algn="l" defTabSz="914400" rtl="0" eaLnBrk="1" latinLnBrk="0" hangingPunct="1">
         <a:defRPr sz="1800" kern="1200">
           <a:solidFill>
             <a:schemeClr val="tx1"/>
@@ -3043,7 +3120,7 @@
           <a:cs typeface="+mn-cs"/>
         </a:defRPr>
       </a:lvl6pPr>
-      <a:lvl7pPr marL="2743200" algn="l" defTabSz="457200" rtl="0" eaLnBrk="1" latinLnBrk="0" hangingPunct="1">
+      <a:lvl7pPr marL="2743200" algn="l" defTabSz="914400" rtl="0" eaLnBrk="1" latinLnBrk="0" hangingPunct="1">
         <a:defRPr sz="1800" kern="1200">
           <a:solidFill>
             <a:schemeClr val="tx1"/>
@@ -3053,7 +3130,7 @@
           <a:cs typeface="+mn-cs"/>
         </a:defRPr>
       </a:lvl7pPr>
-      <a:lvl8pPr marL="3200400" algn="l" defTabSz="457200" rtl="0" eaLnBrk="1" latinLnBrk="0" hangingPunct="1">
+      <a:lvl8pPr marL="3200400" algn="l" defTabSz="914400" rtl="0" eaLnBrk="1" latinLnBrk="0" hangingPunct="1">
         <a:defRPr sz="1800" kern="1200">
           <a:solidFill>
             <a:schemeClr val="tx1"/>
@@ -3063,7 +3140,7 @@
           <a:cs typeface="+mn-cs"/>
         </a:defRPr>
       </a:lvl8pPr>
-      <a:lvl9pPr marL="3657600" algn="l" defTabSz="457200" rtl="0" eaLnBrk="1" latinLnBrk="0" hangingPunct="1">
+      <a:lvl9pPr marL="3657600" algn="l" defTabSz="914400" rtl="0" eaLnBrk="1" latinLnBrk="0" hangingPunct="1">
         <a:defRPr sz="1800" kern="1200">
           <a:solidFill>
             <a:schemeClr val="tx1"/>
@@ -3110,7 +3187,23 @@
           <a:bodyPr/>
           <a:lstStyle/>
           <a:p>
-            <a:endParaRPr kumimoji="1" lang="zh-TW" altLang="en-US"/>
+            <a:r>
+              <a:rPr kumimoji="1" lang="zh-TW" altLang="zh-TW" dirty="0" smtClean="0"/>
+              <a:t>B</a:t>
+            </a:r>
+            <a:r>
+              <a:rPr kumimoji="1" lang="en-US" altLang="zh-TW" dirty="0" err="1" smtClean="0"/>
+              <a:t>ig</a:t>
+            </a:r>
+            <a:r>
+              <a:rPr kumimoji="1" lang="zh-TW" altLang="en-US" dirty="0" smtClean="0"/>
+              <a:t> </a:t>
+            </a:r>
+            <a:r>
+              <a:rPr kumimoji="1" lang="en-US" altLang="zh-TW" dirty="0" smtClean="0"/>
+              <a:t>Data</a:t>
+            </a:r>
+            <a:endParaRPr kumimoji="1" lang="zh-TW" altLang="en-US" dirty="0"/>
           </a:p>
         </p:txBody>
       </p:sp>
@@ -3124,12 +3217,67 @@
             <p:ph type="subTitle" idx="1"/>
           </p:nvPr>
         </p:nvSpPr>
-        <p:spPr/>
-        <p:txBody>
-          <a:bodyPr/>
-          <a:lstStyle/>
-          <a:p>
-            <a:endParaRPr kumimoji="1" lang="zh-TW" altLang="en-US"/>
+        <p:spPr>
+          <a:xfrm>
+            <a:off x="685800" y="4572000"/>
+            <a:ext cx="6461760" cy="1777400"/>
+          </a:xfrm>
+        </p:spPr>
+        <p:txBody>
+          <a:bodyPr>
+            <a:normAutofit lnSpcReduction="10000"/>
+          </a:bodyPr>
+          <a:lstStyle/>
+          <a:p>
+            <a:r>
+              <a:rPr lang="zh-CHT" altLang="en-US" dirty="0"/>
+              <a:t>游春傑</a:t>
+            </a:r>
+            <a:r>
+              <a:rPr lang="en-US" altLang="zh-CHT" dirty="0"/>
+              <a:t>:D10315001</a:t>
+            </a:r>
+          </a:p>
+          <a:p>
+            <a:r>
+              <a:rPr lang="zh-CHT" altLang="en-US" dirty="0"/>
+              <a:t>薛聿明</a:t>
+            </a:r>
+            <a:r>
+              <a:rPr lang="en-US" altLang="zh-CHT" dirty="0"/>
+              <a:t>:D10307009</a:t>
+            </a:r>
+          </a:p>
+          <a:p>
+            <a:r>
+              <a:rPr lang="zh-CHT" altLang="en-US" dirty="0"/>
+              <a:t>楊承翰</a:t>
+            </a:r>
+            <a:r>
+              <a:rPr lang="en-US" altLang="zh-CHT" dirty="0"/>
+              <a:t>:M10209106</a:t>
+            </a:r>
+          </a:p>
+          <a:p>
+            <a:r>
+              <a:rPr lang="zh-TW" altLang="en-US" dirty="0"/>
+              <a:t>程于真</a:t>
+            </a:r>
+            <a:r>
+              <a:rPr lang="en-US" altLang="zh-TW" dirty="0"/>
+              <a:t>:M10307206</a:t>
+            </a:r>
+          </a:p>
+          <a:p>
+            <a:r>
+              <a:rPr lang="zh-CHT" altLang="en-US" dirty="0"/>
+              <a:t>吳致芳</a:t>
+            </a:r>
+            <a:r>
+              <a:rPr lang="en-US" altLang="zh-CHT" dirty="0"/>
+              <a:t>:M10309103</a:t>
+            </a:r>
+            <a:endParaRPr kumimoji="1" lang="zh-TW" altLang="en-US" dirty="0"/>
           </a:p>
         </p:txBody>
       </p:sp>
@@ -3146,53 +3294,121 @@
 </p:sld>
 </file>
 
+<file path=ppt/slides/slide2.xml><?xml version="1.0" encoding="utf-8"?>
+<p:sld xmlns:a="http://schemas.openxmlformats.org/drawingml/2006/main" xmlns:r="http://schemas.openxmlformats.org/officeDocument/2006/relationships" xmlns:p="http://schemas.openxmlformats.org/presentationml/2006/main">
+  <p:cSld>
+    <p:spTree>
+      <p:nvGrpSpPr>
+        <p:cNvPr id="1" name=""/>
+        <p:cNvGrpSpPr/>
+        <p:nvPr/>
+      </p:nvGrpSpPr>
+      <p:grpSpPr>
+        <a:xfrm>
+          <a:off x="0" y="0"/>
+          <a:ext cx="0" cy="0"/>
+          <a:chOff x="0" y="0"/>
+          <a:chExt cx="0" cy="0"/>
+        </a:xfrm>
+      </p:grpSpPr>
+      <p:sp>
+        <p:nvSpPr>
+          <p:cNvPr id="2" name="標題 1"/>
+          <p:cNvSpPr>
+            <a:spLocks noGrp="1"/>
+          </p:cNvSpPr>
+          <p:nvPr>
+            <p:ph type="title"/>
+          </p:nvPr>
+        </p:nvSpPr>
+        <p:spPr/>
+        <p:txBody>
+          <a:bodyPr/>
+          <a:lstStyle/>
+          <a:p>
+            <a:endParaRPr kumimoji="1" lang="zh-TW" altLang="en-US"/>
+          </a:p>
+        </p:txBody>
+      </p:sp>
+      <p:sp>
+        <p:nvSpPr>
+          <p:cNvPr id="3" name="內容版面配置區 2"/>
+          <p:cNvSpPr>
+            <a:spLocks noGrp="1"/>
+          </p:cNvSpPr>
+          <p:nvPr>
+            <p:ph idx="1"/>
+          </p:nvPr>
+        </p:nvSpPr>
+        <p:spPr/>
+        <p:txBody>
+          <a:bodyPr/>
+          <a:lstStyle/>
+          <a:p>
+            <a:endParaRPr kumimoji="1" lang="zh-TW" altLang="en-US"/>
+          </a:p>
+        </p:txBody>
+      </p:sp>
+    </p:spTree>
+    <p:extLst>
+      <p:ext uri="{BB962C8B-B14F-4D97-AF65-F5344CB8AC3E}">
+        <p14:creationId xmlns:p14="http://schemas.microsoft.com/office/powerpoint/2010/main" val="3299767040"/>
+      </p:ext>
+    </p:extLst>
+  </p:cSld>
+  <p:clrMapOvr>
+    <a:masterClrMapping/>
+  </p:clrMapOvr>
+</p:sld>
+</file>
+
 <file path=ppt/theme/theme1.xml><?xml version="1.0" encoding="utf-8"?>
-<a:theme xmlns:a="http://schemas.openxmlformats.org/drawingml/2006/main" name="Office 佈景主題">
+<a:theme xmlns:a="http://schemas.openxmlformats.org/drawingml/2006/main" name="相鄰">
   <a:themeElements>
-    <a:clrScheme name="Office">
+    <a:clrScheme name="相鄰">
       <a:dk1>
-        <a:sysClr val="windowText" lastClr="000000"/>
+        <a:srgbClr val="2F2B20"/>
       </a:dk1>
       <a:lt1>
-        <a:sysClr val="window" lastClr="FFFFFF"/>
+        <a:srgbClr val="FFFFFF"/>
       </a:lt1>
       <a:dk2>
-        <a:srgbClr val="1F497D"/>
+        <a:srgbClr val="675E47"/>
       </a:dk2>
       <a:lt2>
-        <a:srgbClr val="EEECE1"/>
+        <a:srgbClr val="DFDCB7"/>
       </a:lt2>
       <a:accent1>
-        <a:srgbClr val="4F81BD"/>
+        <a:srgbClr val="A9A57C"/>
       </a:accent1>
       <a:accent2>
-        <a:srgbClr val="C0504D"/>
+        <a:srgbClr val="9CBEBD"/>
       </a:accent2>
       <a:accent3>
-        <a:srgbClr val="9BBB59"/>
+        <a:srgbClr val="D2CB6C"/>
       </a:accent3>
       <a:accent4>
-        <a:srgbClr val="8064A2"/>
+        <a:srgbClr val="95A39D"/>
       </a:accent4>
       <a:accent5>
-        <a:srgbClr val="4BACC6"/>
+        <a:srgbClr val="C89F5D"/>
       </a:accent5>
       <a:accent6>
-        <a:srgbClr val="F79646"/>
+        <a:srgbClr val="B1A089"/>
       </a:accent6>
       <a:hlink>
-        <a:srgbClr val="0000FF"/>
+        <a:srgbClr val="D25814"/>
       </a:hlink>
       <a:folHlink>
-        <a:srgbClr val="800080"/>
+        <a:srgbClr val="849A0A"/>
       </a:folHlink>
     </a:clrScheme>
-    <a:fontScheme name="Office">
+    <a:fontScheme name="相鄰">
       <a:majorFont>
-        <a:latin typeface="Calibri"/>
+        <a:latin typeface="Cambria"/>
         <a:ea typeface=""/>
         <a:cs typeface=""/>
-        <a:font script="Jpan" typeface="ＭＳ Ｐゴシック"/>
+        <a:font script="Jpan" typeface="ＭＳ ゴシック"/>
         <a:font script="Hang" typeface="맑은 고딕"/>
         <a:font script="Hans" typeface="宋体"/>
         <a:font script="Hant" typeface="新細明體"/>
@@ -3227,7 +3443,7 @@
         <a:latin typeface="Calibri"/>
         <a:ea typeface=""/>
         <a:cs typeface=""/>
-        <a:font script="Jpan" typeface="ＭＳ Ｐゴシック"/>
+        <a:font script="Jpan" typeface="ＭＳ 明朝"/>
         <a:font script="Hang" typeface="맑은 고딕"/>
         <a:font script="Hans" typeface="宋体"/>
         <a:font script="Hant" typeface="新細明體"/>
@@ -3259,56 +3475,22 @@
         <a:font script="Geor" typeface="Sylfaen"/>
       </a:minorFont>
     </a:fontScheme>
-    <a:fmtScheme name="Office">
+    <a:fmtScheme name="相鄰">
       <a:fillStyleLst>
         <a:solidFill>
           <a:schemeClr val="phClr"/>
         </a:solidFill>
-        <a:gradFill rotWithShape="1">
-          <a:gsLst>
-            <a:gs pos="0">
-              <a:schemeClr val="phClr">
-                <a:tint val="50000"/>
-                <a:satMod val="300000"/>
-              </a:schemeClr>
-            </a:gs>
-            <a:gs pos="35000">
-              <a:schemeClr val="phClr">
-                <a:tint val="37000"/>
-                <a:satMod val="300000"/>
-              </a:schemeClr>
-            </a:gs>
-            <a:gs pos="100000">
-              <a:schemeClr val="phClr">
-                <a:tint val="15000"/>
-                <a:satMod val="350000"/>
-              </a:schemeClr>
-            </a:gs>
-          </a:gsLst>
-          <a:lin ang="16200000" scaled="1"/>
-        </a:gradFill>
-        <a:gradFill rotWithShape="1">
-          <a:gsLst>
-            <a:gs pos="0">
-              <a:schemeClr val="phClr">
-                <a:tint val="100000"/>
-                <a:shade val="100000"/>
-                <a:satMod val="130000"/>
-              </a:schemeClr>
-            </a:gs>
-            <a:gs pos="100000">
-              <a:schemeClr val="phClr">
-                <a:tint val="50000"/>
-                <a:shade val="100000"/>
-                <a:satMod val="350000"/>
-              </a:schemeClr>
-            </a:gs>
-          </a:gsLst>
-          <a:lin ang="16200000" scaled="0"/>
-        </a:gradFill>
+        <a:solidFill>
+          <a:schemeClr val="phClr">
+            <a:tint val="55000"/>
+          </a:schemeClr>
+        </a:solidFill>
+        <a:solidFill>
+          <a:schemeClr val="phClr"/>
+        </a:solidFill>
       </a:fillStyleLst>
       <a:lnStyleLst>
-        <a:ln w="9525" cap="flat" cmpd="sng" algn="ctr">
+        <a:ln w="12700" cap="flat" cmpd="sng" algn="ctr">
           <a:solidFill>
             <a:schemeClr val="phClr">
               <a:shade val="95000"/>
@@ -3332,41 +3514,35 @@
       </a:lnStyleLst>
       <a:effectStyleLst>
         <a:effectStyle>
+          <a:effectLst/>
+        </a:effectStyle>
+        <a:effectStyle>
           <a:effectLst>
-            <a:outerShdw blurRad="40000" dist="20000" dir="5400000" rotWithShape="0">
+            <a:outerShdw blurRad="50800" dist="25400" algn="bl" rotWithShape="0">
               <a:srgbClr val="000000">
-                <a:alpha val="38000"/>
+                <a:alpha val="60000"/>
               </a:srgbClr>
             </a:outerShdw>
           </a:effectLst>
         </a:effectStyle>
         <a:effectStyle>
-          <a:effectLst>
-            <a:outerShdw blurRad="40000" dist="23000" dir="5400000" rotWithShape="0">
-              <a:srgbClr val="000000">
-                <a:alpha val="35000"/>
-              </a:srgbClr>
-            </a:outerShdw>
-          </a:effectLst>
-        </a:effectStyle>
-        <a:effectStyle>
-          <a:effectLst>
-            <a:outerShdw blurRad="40000" dist="23000" dir="5400000" rotWithShape="0">
-              <a:srgbClr val="000000">
-                <a:alpha val="35000"/>
-              </a:srgbClr>
-            </a:outerShdw>
-          </a:effectLst>
+          <a:effectLst/>
           <a:scene3d>
             <a:camera prst="orthographicFront">
               <a:rot lat="0" lon="0" rev="0"/>
             </a:camera>
-            <a:lightRig rig="threePt" dir="t">
-              <a:rot lat="0" lon="0" rev="1200000"/>
+            <a:lightRig rig="brightRoom" dir="tl">
+              <a:rot lat="0" lon="0" rev="1800000"/>
             </a:lightRig>
           </a:scene3d>
-          <a:sp3d>
-            <a:bevelT w="63500" h="25400"/>
+          <a:sp3d contourW="10160" prstMaterial="dkEdge">
+            <a:bevelT w="38100" h="50800" prst="angle"/>
+            <a:contourClr>
+              <a:schemeClr val="phClr">
+                <a:shade val="40000"/>
+                <a:satMod val="150000"/>
+              </a:schemeClr>
+            </a:contourClr>
           </a:sp3d>
         </a:effectStyle>
       </a:effectStyleLst>
@@ -3378,90 +3554,43 @@
           <a:gsLst>
             <a:gs pos="0">
               <a:schemeClr val="phClr">
-                <a:tint val="40000"/>
-                <a:satMod val="350000"/>
+                <a:tint val="90000"/>
               </a:schemeClr>
             </a:gs>
-            <a:gs pos="40000">
+            <a:gs pos="75000">
               <a:schemeClr val="phClr">
-                <a:tint val="45000"/>
-                <a:shade val="99000"/>
-                <a:satMod val="350000"/>
+                <a:shade val="100000"/>
+                <a:satMod val="115000"/>
               </a:schemeClr>
             </a:gs>
             <a:gs pos="100000">
               <a:schemeClr val="phClr">
-                <a:shade val="20000"/>
-                <a:satMod val="255000"/>
+                <a:shade val="70000"/>
+                <a:satMod val="130000"/>
               </a:schemeClr>
             </a:gs>
           </a:gsLst>
           <a:path path="circle">
-            <a:fillToRect l="50000" t="-80000" r="50000" b="180000"/>
+            <a:fillToRect l="20000" t="50000" r="100000" b="50000"/>
           </a:path>
         </a:gradFill>
-        <a:gradFill rotWithShape="1">
-          <a:gsLst>
-            <a:gs pos="0">
+        <a:blipFill rotWithShape="1">
+          <a:blip xmlns:r="http://schemas.openxmlformats.org/officeDocument/2006/relationships" r:embed="rId1">
+            <a:duotone>
               <a:schemeClr val="phClr">
-                <a:tint val="80000"/>
-                <a:satMod val="300000"/>
+                <a:tint val="97000"/>
               </a:schemeClr>
-            </a:gs>
-            <a:gs pos="100000">
               <a:schemeClr val="phClr">
-                <a:shade val="30000"/>
-                <a:satMod val="200000"/>
+                <a:shade val="96000"/>
               </a:schemeClr>
-            </a:gs>
-          </a:gsLst>
-          <a:path path="circle">
-            <a:fillToRect l="50000" t="50000" r="50000" b="50000"/>
-          </a:path>
-        </a:gradFill>
+            </a:duotone>
+          </a:blip>
+          <a:tile tx="0" ty="0" sx="32000" sy="32000" flip="none" algn="tl"/>
+        </a:blipFill>
       </a:bgFillStyleLst>
     </a:fmtScheme>
   </a:themeElements>
-  <a:objectDefaults>
-    <a:spDef>
-      <a:spPr/>
-      <a:bodyPr/>
-      <a:lstStyle/>
-      <a:style>
-        <a:lnRef idx="1">
-          <a:schemeClr val="accent1"/>
-        </a:lnRef>
-        <a:fillRef idx="3">
-          <a:schemeClr val="accent1"/>
-        </a:fillRef>
-        <a:effectRef idx="2">
-          <a:schemeClr val="accent1"/>
-        </a:effectRef>
-        <a:fontRef idx="minor">
-          <a:schemeClr val="lt1"/>
-        </a:fontRef>
-      </a:style>
-    </a:spDef>
-    <a:lnDef>
-      <a:spPr/>
-      <a:bodyPr/>
-      <a:lstStyle/>
-      <a:style>
-        <a:lnRef idx="2">
-          <a:schemeClr val="accent1"/>
-        </a:lnRef>
-        <a:fillRef idx="0">
-          <a:schemeClr val="accent1"/>
-        </a:fillRef>
-        <a:effectRef idx="1">
-          <a:schemeClr val="accent1"/>
-        </a:effectRef>
-        <a:fontRef idx="minor">
-          <a:schemeClr val="tx1"/>
-        </a:fontRef>
-      </a:style>
-    </a:lnDef>
-  </a:objectDefaults>
+  <a:objectDefaults/>
   <a:extraClrSchemeLst/>
 </a:theme>
 </file>
--- a/HomeWork_1/DOC/PPT/PPT.pptx
+++ b/HomeWork_1/DOC/PPT/PPT.pptx
@@ -302,7 +302,8 @@
           <a:p>
             <a:fld id="{3A81A459-E776-7B40-AAC7-C31A505C27D3}" type="datetimeFigureOut">
               <a:rPr kumimoji="1" lang="zh-TW" altLang="en-US" smtClean="0"/>
-              <a:t>15/4/28</a:t>
+              <a:pPr/>
+              <a:t>2015/4/28</a:t>
             </a:fld>
             <a:endParaRPr kumimoji="1" lang="zh-TW" altLang="en-US"/>
           </a:p>
@@ -344,6 +345,7 @@
           <a:p>
             <a:fld id="{6961F1FA-B045-614A-A92D-1C6358E7981E}" type="slidenum">
               <a:rPr kumimoji="1" lang="zh-TW" altLang="en-US" smtClean="0"/>
+              <a:pPr/>
               <a:t>‹#›</a:t>
             </a:fld>
             <a:endParaRPr kumimoji="1" lang="zh-TW" altLang="en-US"/>
@@ -467,7 +469,8 @@
           <a:p>
             <a:fld id="{3A81A459-E776-7B40-AAC7-C31A505C27D3}" type="datetimeFigureOut">
               <a:rPr kumimoji="1" lang="zh-TW" altLang="en-US" smtClean="0"/>
-              <a:t>15/4/28</a:t>
+              <a:pPr/>
+              <a:t>2015/4/28</a:t>
             </a:fld>
             <a:endParaRPr kumimoji="1" lang="zh-TW" altLang="en-US"/>
           </a:p>
@@ -509,6 +512,7 @@
           <a:p>
             <a:fld id="{6961F1FA-B045-614A-A92D-1C6358E7981E}" type="slidenum">
               <a:rPr kumimoji="1" lang="zh-TW" altLang="en-US" smtClean="0"/>
+              <a:pPr/>
               <a:t>‹#›</a:t>
             </a:fld>
             <a:endParaRPr kumimoji="1" lang="zh-TW" altLang="en-US"/>
@@ -642,7 +646,8 @@
           <a:p>
             <a:fld id="{3A81A459-E776-7B40-AAC7-C31A505C27D3}" type="datetimeFigureOut">
               <a:rPr kumimoji="1" lang="zh-TW" altLang="en-US" smtClean="0"/>
-              <a:t>15/4/28</a:t>
+              <a:pPr/>
+              <a:t>2015/4/28</a:t>
             </a:fld>
             <a:endParaRPr kumimoji="1" lang="zh-TW" altLang="en-US"/>
           </a:p>
@@ -684,6 +689,7 @@
           <a:p>
             <a:fld id="{6961F1FA-B045-614A-A92D-1C6358E7981E}" type="slidenum">
               <a:rPr kumimoji="1" lang="zh-TW" altLang="en-US" smtClean="0"/>
+              <a:pPr/>
               <a:t>‹#›</a:t>
             </a:fld>
             <a:endParaRPr kumimoji="1" lang="zh-TW" altLang="en-US"/>
@@ -807,7 +813,8 @@
           <a:p>
             <a:fld id="{3A81A459-E776-7B40-AAC7-C31A505C27D3}" type="datetimeFigureOut">
               <a:rPr kumimoji="1" lang="zh-TW" altLang="en-US" smtClean="0"/>
-              <a:t>15/4/28</a:t>
+              <a:pPr/>
+              <a:t>2015/4/28</a:t>
             </a:fld>
             <a:endParaRPr kumimoji="1" lang="zh-TW" altLang="en-US"/>
           </a:p>
@@ -849,6 +856,7 @@
           <a:p>
             <a:fld id="{6961F1FA-B045-614A-A92D-1C6358E7981E}" type="slidenum">
               <a:rPr kumimoji="1" lang="zh-TW" altLang="en-US" smtClean="0"/>
+              <a:pPr/>
               <a:t>‹#›</a:t>
             </a:fld>
             <a:endParaRPr kumimoji="1" lang="zh-TW" altLang="en-US"/>
@@ -1048,7 +1056,8 @@
           <a:p>
             <a:fld id="{3A81A459-E776-7B40-AAC7-C31A505C27D3}" type="datetimeFigureOut">
               <a:rPr kumimoji="1" lang="zh-TW" altLang="en-US" smtClean="0"/>
-              <a:t>15/4/28</a:t>
+              <a:pPr/>
+              <a:t>2015/4/28</a:t>
             </a:fld>
             <a:endParaRPr kumimoji="1" lang="zh-TW" altLang="en-US"/>
           </a:p>
@@ -1090,6 +1099,7 @@
           <a:p>
             <a:fld id="{6961F1FA-B045-614A-A92D-1C6358E7981E}" type="slidenum">
               <a:rPr kumimoji="1" lang="zh-TW" altLang="en-US" smtClean="0"/>
+              <a:pPr/>
               <a:t>‹#›</a:t>
             </a:fld>
             <a:endParaRPr kumimoji="1" lang="zh-TW" altLang="en-US"/>
@@ -1331,7 +1341,8 @@
           <a:p>
             <a:fld id="{3A81A459-E776-7B40-AAC7-C31A505C27D3}" type="datetimeFigureOut">
               <a:rPr kumimoji="1" lang="zh-TW" altLang="en-US" smtClean="0"/>
-              <a:t>15/4/28</a:t>
+              <a:pPr/>
+              <a:t>2015/4/28</a:t>
             </a:fld>
             <a:endParaRPr kumimoji="1" lang="zh-TW" altLang="en-US"/>
           </a:p>
@@ -1373,6 +1384,7 @@
           <a:p>
             <a:fld id="{6961F1FA-B045-614A-A92D-1C6358E7981E}" type="slidenum">
               <a:rPr kumimoji="1" lang="zh-TW" altLang="en-US" smtClean="0"/>
+              <a:pPr/>
               <a:t>‹#›</a:t>
             </a:fld>
             <a:endParaRPr kumimoji="1" lang="zh-TW" altLang="en-US"/>
@@ -1760,7 +1772,8 @@
           <a:p>
             <a:fld id="{3A81A459-E776-7B40-AAC7-C31A505C27D3}" type="datetimeFigureOut">
               <a:rPr kumimoji="1" lang="zh-TW" altLang="en-US" smtClean="0"/>
-              <a:t>15/4/28</a:t>
+              <a:pPr/>
+              <a:t>2015/4/28</a:t>
             </a:fld>
             <a:endParaRPr kumimoji="1" lang="zh-TW" altLang="en-US"/>
           </a:p>
@@ -1802,6 +1815,7 @@
           <a:p>
             <a:fld id="{6961F1FA-B045-614A-A92D-1C6358E7981E}" type="slidenum">
               <a:rPr kumimoji="1" lang="zh-TW" altLang="en-US" smtClean="0"/>
+              <a:pPr/>
               <a:t>‹#›</a:t>
             </a:fld>
             <a:endParaRPr kumimoji="1" lang="zh-TW" altLang="en-US"/>
@@ -1873,7 +1887,8 @@
           <a:p>
             <a:fld id="{3A81A459-E776-7B40-AAC7-C31A505C27D3}" type="datetimeFigureOut">
               <a:rPr kumimoji="1" lang="zh-TW" altLang="en-US" smtClean="0"/>
-              <a:t>15/4/28</a:t>
+              <a:pPr/>
+              <a:t>2015/4/28</a:t>
             </a:fld>
             <a:endParaRPr kumimoji="1" lang="zh-TW" altLang="en-US"/>
           </a:p>
@@ -1915,6 +1930,7 @@
           <a:p>
             <a:fld id="{6961F1FA-B045-614A-A92D-1C6358E7981E}" type="slidenum">
               <a:rPr kumimoji="1" lang="zh-TW" altLang="en-US" smtClean="0"/>
+              <a:pPr/>
               <a:t>‹#›</a:t>
             </a:fld>
             <a:endParaRPr kumimoji="1" lang="zh-TW" altLang="en-US"/>
@@ -1963,7 +1979,8 @@
           <a:p>
             <a:fld id="{3A81A459-E776-7B40-AAC7-C31A505C27D3}" type="datetimeFigureOut">
               <a:rPr kumimoji="1" lang="zh-TW" altLang="en-US" smtClean="0"/>
-              <a:t>15/4/28</a:t>
+              <a:pPr/>
+              <a:t>2015/4/28</a:t>
             </a:fld>
             <a:endParaRPr kumimoji="1" lang="zh-TW" altLang="en-US"/>
           </a:p>
@@ -2005,6 +2022,7 @@
           <a:p>
             <a:fld id="{6961F1FA-B045-614A-A92D-1C6358E7981E}" type="slidenum">
               <a:rPr kumimoji="1" lang="zh-TW" altLang="en-US" smtClean="0"/>
+              <a:pPr/>
               <a:t>‹#›</a:t>
             </a:fld>
             <a:endParaRPr kumimoji="1" lang="zh-TW" altLang="en-US"/>
@@ -2152,7 +2170,8 @@
           <a:p>
             <a:fld id="{3A81A459-E776-7B40-AAC7-C31A505C27D3}" type="datetimeFigureOut">
               <a:rPr kumimoji="1" lang="zh-TW" altLang="en-US" smtClean="0"/>
-              <a:t>15/4/28</a:t>
+              <a:pPr/>
+              <a:t>2015/4/28</a:t>
             </a:fld>
             <a:endParaRPr kumimoji="1" lang="zh-TW" altLang="en-US"/>
           </a:p>
@@ -2194,6 +2213,7 @@
           <a:p>
             <a:fld id="{6961F1FA-B045-614A-A92D-1C6358E7981E}" type="slidenum">
               <a:rPr kumimoji="1" lang="zh-TW" altLang="en-US" smtClean="0"/>
+              <a:pPr/>
               <a:t>‹#›</a:t>
             </a:fld>
             <a:endParaRPr kumimoji="1" lang="zh-TW" altLang="en-US"/>
@@ -2470,7 +2490,8 @@
           <a:p>
             <a:fld id="{3A81A459-E776-7B40-AAC7-C31A505C27D3}" type="datetimeFigureOut">
               <a:rPr kumimoji="1" lang="zh-TW" altLang="en-US" smtClean="0"/>
-              <a:t>15/4/28</a:t>
+              <a:pPr/>
+              <a:t>2015/4/28</a:t>
             </a:fld>
             <a:endParaRPr kumimoji="1" lang="zh-TW" altLang="en-US"/>
           </a:p>
@@ -2493,6 +2514,7 @@
           <a:p>
             <a:fld id="{6961F1FA-B045-614A-A92D-1C6358E7981E}" type="slidenum">
               <a:rPr kumimoji="1" lang="zh-TW" altLang="en-US" smtClean="0"/>
+              <a:pPr/>
               <a:t>‹#›</a:t>
             </a:fld>
             <a:endParaRPr kumimoji="1" lang="zh-TW" altLang="en-US"/>
@@ -2775,6 +2797,7 @@
           <a:p>
             <a:fld id="{6961F1FA-B045-614A-A92D-1C6358E7981E}" type="slidenum">
               <a:rPr kumimoji="1" lang="zh-TW" altLang="en-US" smtClean="0"/>
+              <a:pPr/>
               <a:t>‹#›</a:t>
             </a:fld>
             <a:endParaRPr kumimoji="1" lang="zh-TW" altLang="en-US"/>
@@ -2849,7 +2872,8 @@
           <a:p>
             <a:fld id="{3A81A459-E776-7B40-AAC7-C31A505C27D3}" type="datetimeFigureOut">
               <a:rPr kumimoji="1" lang="zh-TW" altLang="en-US" smtClean="0"/>
-              <a:t>15/4/28</a:t>
+              <a:pPr/>
+              <a:t>2015/4/28</a:t>
             </a:fld>
             <a:endParaRPr kumimoji="1" lang="zh-TW" altLang="en-US"/>
           </a:p>
@@ -3201,7 +3225,7 @@
             </a:r>
             <a:r>
               <a:rPr kumimoji="1" lang="en-US" altLang="zh-TW" dirty="0" smtClean="0"/>
-              <a:t>Data</a:t>
+              <a:t>Data Analytics – Homework 1</a:t>
             </a:r>
             <a:endParaRPr kumimoji="1" lang="zh-TW" altLang="en-US" dirty="0"/>
           </a:p>
@@ -3230,31 +3254,31 @@
           <a:lstStyle/>
           <a:p>
             <a:r>
-              <a:rPr lang="zh-CHT" altLang="en-US" dirty="0"/>
+              <a:rPr lang="zh-Hant" altLang="en-US" dirty="0"/>
               <a:t>游春傑</a:t>
             </a:r>
             <a:r>
-              <a:rPr lang="en-US" altLang="zh-CHT" dirty="0"/>
+              <a:rPr lang="en-US" altLang="zh-Hant" dirty="0"/>
               <a:t>:D10315001</a:t>
             </a:r>
           </a:p>
           <a:p>
             <a:r>
-              <a:rPr lang="zh-CHT" altLang="en-US" dirty="0"/>
+              <a:rPr lang="zh-Hant" altLang="en-US" dirty="0"/>
               <a:t>薛聿明</a:t>
             </a:r>
             <a:r>
-              <a:rPr lang="en-US" altLang="zh-CHT" dirty="0"/>
+              <a:rPr lang="en-US" altLang="zh-Hant" dirty="0"/>
               <a:t>:D10307009</a:t>
             </a:r>
           </a:p>
           <a:p>
             <a:r>
-              <a:rPr lang="zh-CHT" altLang="en-US" dirty="0"/>
+              <a:rPr lang="zh-Hant" altLang="en-US" dirty="0"/>
               <a:t>楊承翰</a:t>
             </a:r>
             <a:r>
-              <a:rPr lang="en-US" altLang="zh-CHT" dirty="0"/>
+              <a:rPr lang="en-US" altLang="zh-Hant" dirty="0"/>
               <a:t>:M10209106</a:t>
             </a:r>
           </a:p>
@@ -3270,11 +3294,11 @@
           </a:p>
           <a:p>
             <a:r>
-              <a:rPr lang="zh-CHT" altLang="en-US" dirty="0"/>
+              <a:rPr lang="zh-Hant" altLang="en-US" dirty="0"/>
               <a:t>吳致芳</a:t>
             </a:r>
             <a:r>
-              <a:rPr lang="en-US" altLang="zh-CHT" dirty="0"/>
+              <a:rPr lang="en-US" altLang="zh-Hant" dirty="0"/>
               <a:t>:M10309103</a:t>
             </a:r>
             <a:endParaRPr kumimoji="1" lang="zh-TW" altLang="en-US" dirty="0"/>
@@ -3284,7 +3308,7 @@
     </p:spTree>
     <p:extLst>
       <p:ext uri="{BB962C8B-B14F-4D97-AF65-F5344CB8AC3E}">
-        <p14:creationId xmlns:p14="http://schemas.microsoft.com/office/powerpoint/2010/main" val="1859202101"/>
+        <p14:creationId xmlns:p14="http://schemas.microsoft.com/office/powerpoint/2010/main" xmlns="" val="1859202101"/>
       </p:ext>
     </p:extLst>
   </p:cSld>
@@ -3352,7 +3376,7 @@
     </p:spTree>
     <p:extLst>
       <p:ext uri="{BB962C8B-B14F-4D97-AF65-F5344CB8AC3E}">
-        <p14:creationId xmlns:p14="http://schemas.microsoft.com/office/powerpoint/2010/main" val="3299767040"/>
+        <p14:creationId xmlns:p14="http://schemas.microsoft.com/office/powerpoint/2010/main" xmlns="" val="3299767040"/>
       </p:ext>
     </p:extLst>
   </p:cSld>

--- a/HomeWork_1/DOC/PPT/PPT.pptx
+++ b/HomeWork_1/DOC/PPT/PPT.pptx
@@ -7,6 +7,10 @@
   <p:sldIdLst>
     <p:sldId id="256" r:id="rId2"/>
     <p:sldId id="257" r:id="rId3"/>
+    <p:sldId id="258" r:id="rId4"/>
+    <p:sldId id="262" r:id="rId5"/>
+    <p:sldId id="261" r:id="rId6"/>
+    <p:sldId id="259" r:id="rId7"/>
   </p:sldIdLst>
   <p:sldSz cx="9144000" cy="6858000" type="screen4x3"/>
   <p:notesSz cx="6858000" cy="9144000"/>
@@ -303,7 +307,7 @@
             <a:fld id="{3A81A459-E776-7B40-AAC7-C31A505C27D3}" type="datetimeFigureOut">
               <a:rPr kumimoji="1" lang="zh-TW" altLang="en-US" smtClean="0"/>
               <a:pPr/>
-              <a:t>2015/4/28</a:t>
+              <a:t>15/5/10</a:t>
             </a:fld>
             <a:endParaRPr kumimoji="1" lang="zh-TW" altLang="en-US"/>
           </a:p>
@@ -470,7 +474,7 @@
             <a:fld id="{3A81A459-E776-7B40-AAC7-C31A505C27D3}" type="datetimeFigureOut">
               <a:rPr kumimoji="1" lang="zh-TW" altLang="en-US" smtClean="0"/>
               <a:pPr/>
-              <a:t>2015/4/28</a:t>
+              <a:t>15/5/10</a:t>
             </a:fld>
             <a:endParaRPr kumimoji="1" lang="zh-TW" altLang="en-US"/>
           </a:p>
@@ -647,7 +651,7 @@
             <a:fld id="{3A81A459-E776-7B40-AAC7-C31A505C27D3}" type="datetimeFigureOut">
               <a:rPr kumimoji="1" lang="zh-TW" altLang="en-US" smtClean="0"/>
               <a:pPr/>
-              <a:t>2015/4/28</a:t>
+              <a:t>15/5/10</a:t>
             </a:fld>
             <a:endParaRPr kumimoji="1" lang="zh-TW" altLang="en-US"/>
           </a:p>
@@ -814,7 +818,7 @@
             <a:fld id="{3A81A459-E776-7B40-AAC7-C31A505C27D3}" type="datetimeFigureOut">
               <a:rPr kumimoji="1" lang="zh-TW" altLang="en-US" smtClean="0"/>
               <a:pPr/>
-              <a:t>2015/4/28</a:t>
+              <a:t>15/5/10</a:t>
             </a:fld>
             <a:endParaRPr kumimoji="1" lang="zh-TW" altLang="en-US"/>
           </a:p>
@@ -1057,7 +1061,7 @@
             <a:fld id="{3A81A459-E776-7B40-AAC7-C31A505C27D3}" type="datetimeFigureOut">
               <a:rPr kumimoji="1" lang="zh-TW" altLang="en-US" smtClean="0"/>
               <a:pPr/>
-              <a:t>2015/4/28</a:t>
+              <a:t>15/5/10</a:t>
             </a:fld>
             <a:endParaRPr kumimoji="1" lang="zh-TW" altLang="en-US"/>
           </a:p>
@@ -1342,7 +1346,7 @@
             <a:fld id="{3A81A459-E776-7B40-AAC7-C31A505C27D3}" type="datetimeFigureOut">
               <a:rPr kumimoji="1" lang="zh-TW" altLang="en-US" smtClean="0"/>
               <a:pPr/>
-              <a:t>2015/4/28</a:t>
+              <a:t>15/5/10</a:t>
             </a:fld>
             <a:endParaRPr kumimoji="1" lang="zh-TW" altLang="en-US"/>
           </a:p>
@@ -1773,7 +1777,7 @@
             <a:fld id="{3A81A459-E776-7B40-AAC7-C31A505C27D3}" type="datetimeFigureOut">
               <a:rPr kumimoji="1" lang="zh-TW" altLang="en-US" smtClean="0"/>
               <a:pPr/>
-              <a:t>2015/4/28</a:t>
+              <a:t>15/5/10</a:t>
             </a:fld>
             <a:endParaRPr kumimoji="1" lang="zh-TW" altLang="en-US"/>
           </a:p>
@@ -1888,7 +1892,7 @@
             <a:fld id="{3A81A459-E776-7B40-AAC7-C31A505C27D3}" type="datetimeFigureOut">
               <a:rPr kumimoji="1" lang="zh-TW" altLang="en-US" smtClean="0"/>
               <a:pPr/>
-              <a:t>2015/4/28</a:t>
+              <a:t>15/5/10</a:t>
             </a:fld>
             <a:endParaRPr kumimoji="1" lang="zh-TW" altLang="en-US"/>
           </a:p>
@@ -1980,7 +1984,7 @@
             <a:fld id="{3A81A459-E776-7B40-AAC7-C31A505C27D3}" type="datetimeFigureOut">
               <a:rPr kumimoji="1" lang="zh-TW" altLang="en-US" smtClean="0"/>
               <a:pPr/>
-              <a:t>2015/4/28</a:t>
+              <a:t>15/5/10</a:t>
             </a:fld>
             <a:endParaRPr kumimoji="1" lang="zh-TW" altLang="en-US"/>
           </a:p>
@@ -2171,7 +2175,7 @@
             <a:fld id="{3A81A459-E776-7B40-AAC7-C31A505C27D3}" type="datetimeFigureOut">
               <a:rPr kumimoji="1" lang="zh-TW" altLang="en-US" smtClean="0"/>
               <a:pPr/>
-              <a:t>2015/4/28</a:t>
+              <a:t>15/5/10</a:t>
             </a:fld>
             <a:endParaRPr kumimoji="1" lang="zh-TW" altLang="en-US"/>
           </a:p>
@@ -2491,7 +2495,7 @@
             <a:fld id="{3A81A459-E776-7B40-AAC7-C31A505C27D3}" type="datetimeFigureOut">
               <a:rPr kumimoji="1" lang="zh-TW" altLang="en-US" smtClean="0"/>
               <a:pPr/>
-              <a:t>2015/4/28</a:t>
+              <a:t>15/5/10</a:t>
             </a:fld>
             <a:endParaRPr kumimoji="1" lang="zh-TW" altLang="en-US"/>
           </a:p>
@@ -2873,7 +2877,7 @@
             <a:fld id="{3A81A459-E776-7B40-AAC7-C31A505C27D3}" type="datetimeFigureOut">
               <a:rPr kumimoji="1" lang="zh-TW" altLang="en-US" smtClean="0"/>
               <a:pPr/>
-              <a:t>2015/4/28</a:t>
+              <a:t>15/5/10</a:t>
             </a:fld>
             <a:endParaRPr kumimoji="1" lang="zh-TW" altLang="en-US"/>
           </a:p>
@@ -3254,31 +3258,31 @@
           <a:lstStyle/>
           <a:p>
             <a:r>
-              <a:rPr lang="zh-Hant" altLang="en-US" dirty="0"/>
+              <a:rPr lang="zh-CHT" altLang="en-US" dirty="0"/>
               <a:t>游春傑</a:t>
             </a:r>
             <a:r>
-              <a:rPr lang="en-US" altLang="zh-Hant" dirty="0"/>
+              <a:rPr lang="en-US" altLang="zh-CHT" dirty="0"/>
               <a:t>:D10315001</a:t>
             </a:r>
           </a:p>
           <a:p>
             <a:r>
-              <a:rPr lang="zh-Hant" altLang="en-US" dirty="0"/>
+              <a:rPr lang="zh-CHT" altLang="en-US" dirty="0"/>
               <a:t>薛聿明</a:t>
             </a:r>
             <a:r>
-              <a:rPr lang="en-US" altLang="zh-Hant" dirty="0"/>
+              <a:rPr lang="en-US" altLang="zh-CHT" dirty="0"/>
               <a:t>:D10307009</a:t>
             </a:r>
           </a:p>
           <a:p>
             <a:r>
-              <a:rPr lang="zh-Hant" altLang="en-US" dirty="0"/>
+              <a:rPr lang="zh-CHT" altLang="en-US" dirty="0"/>
               <a:t>楊承翰</a:t>
             </a:r>
             <a:r>
-              <a:rPr lang="en-US" altLang="zh-Hant" dirty="0"/>
+              <a:rPr lang="en-US" altLang="zh-CHT" dirty="0"/>
               <a:t>:M10209106</a:t>
             </a:r>
           </a:p>
@@ -3294,11 +3298,11 @@
           </a:p>
           <a:p>
             <a:r>
-              <a:rPr lang="zh-Hant" altLang="en-US" dirty="0"/>
+              <a:rPr lang="zh-CHT" altLang="en-US" dirty="0"/>
               <a:t>吳致芳</a:t>
             </a:r>
             <a:r>
-              <a:rPr lang="en-US" altLang="zh-Hant" dirty="0"/>
+              <a:rPr lang="en-US" altLang="zh-CHT" dirty="0"/>
               <a:t>:M10309103</a:t>
             </a:r>
             <a:endParaRPr kumimoji="1" lang="zh-TW" altLang="en-US" dirty="0"/>
@@ -3308,7 +3312,7 @@
     </p:spTree>
     <p:extLst>
       <p:ext uri="{BB962C8B-B14F-4D97-AF65-F5344CB8AC3E}">
-        <p14:creationId xmlns:p14="http://schemas.microsoft.com/office/powerpoint/2010/main" xmlns="" val="1859202101"/>
+        <p14:creationId xmlns:p14="http://schemas.microsoft.com/office/powerpoint/2010/main" val="1859202101"/>
       </p:ext>
     </p:extLst>
   </p:cSld>
@@ -3350,7 +3354,11 @@
           <a:bodyPr/>
           <a:lstStyle/>
           <a:p>
-            <a:endParaRPr kumimoji="1" lang="zh-TW" altLang="en-US"/>
+            <a:r>
+              <a:rPr kumimoji="1" lang="zh-TW" altLang="en-US" dirty="0" smtClean="0"/>
+              <a:t>目錄</a:t>
+            </a:r>
+            <a:endParaRPr kumimoji="1" lang="zh-TW" altLang="en-US" dirty="0"/>
           </a:p>
         </p:txBody>
       </p:sp>
@@ -3369,14 +3377,707 @@
           <a:bodyPr/>
           <a:lstStyle/>
           <a:p>
-            <a:endParaRPr kumimoji="1" lang="zh-TW" altLang="en-US"/>
+            <a:r>
+              <a:rPr kumimoji="1" lang="zh-TW" altLang="en-US" dirty="0" smtClean="0"/>
+              <a:t>屬性</a:t>
+            </a:r>
+            <a:endParaRPr kumimoji="1" lang="en-US" altLang="zh-TW" dirty="0" smtClean="0"/>
+          </a:p>
+          <a:p>
+            <a:r>
+              <a:rPr kumimoji="1" lang="zh-TW" altLang="en-US" dirty="0" smtClean="0"/>
+              <a:t>作法及程式碼</a:t>
+            </a:r>
+            <a:endParaRPr kumimoji="1" lang="en-US" altLang="zh-TW" dirty="0" smtClean="0"/>
+          </a:p>
+          <a:p>
+            <a:r>
+              <a:rPr kumimoji="1" lang="zh-TW" altLang="en-US" dirty="0" smtClean="0"/>
+              <a:t>困難及解決方式</a:t>
+            </a:r>
+            <a:endParaRPr kumimoji="1" lang="zh-TW" altLang="en-US" dirty="0"/>
           </a:p>
         </p:txBody>
       </p:sp>
     </p:spTree>
     <p:extLst>
       <p:ext uri="{BB962C8B-B14F-4D97-AF65-F5344CB8AC3E}">
-        <p14:creationId xmlns:p14="http://schemas.microsoft.com/office/powerpoint/2010/main" xmlns="" val="3299767040"/>
+        <p14:creationId xmlns:p14="http://schemas.microsoft.com/office/powerpoint/2010/main" val="3299767040"/>
+      </p:ext>
+    </p:extLst>
+  </p:cSld>
+  <p:clrMapOvr>
+    <a:masterClrMapping/>
+  </p:clrMapOvr>
+</p:sld>
+</file>
+
+<file path=ppt/slides/slide3.xml><?xml version="1.0" encoding="utf-8"?>
+<p:sld xmlns:a="http://schemas.openxmlformats.org/drawingml/2006/main" xmlns:r="http://schemas.openxmlformats.org/officeDocument/2006/relationships" xmlns:p="http://schemas.openxmlformats.org/presentationml/2006/main">
+  <p:cSld>
+    <p:spTree>
+      <p:nvGrpSpPr>
+        <p:cNvPr id="1" name=""/>
+        <p:cNvGrpSpPr/>
+        <p:nvPr/>
+      </p:nvGrpSpPr>
+      <p:grpSpPr>
+        <a:xfrm>
+          <a:off x="0" y="0"/>
+          <a:ext cx="0" cy="0"/>
+          <a:chOff x="0" y="0"/>
+          <a:chExt cx="0" cy="0"/>
+        </a:xfrm>
+      </p:grpSpPr>
+      <p:sp>
+        <p:nvSpPr>
+          <p:cNvPr id="2" name="標題 1"/>
+          <p:cNvSpPr>
+            <a:spLocks noGrp="1"/>
+          </p:cNvSpPr>
+          <p:nvPr>
+            <p:ph type="title"/>
+          </p:nvPr>
+        </p:nvSpPr>
+        <p:spPr/>
+        <p:txBody>
+          <a:bodyPr/>
+          <a:lstStyle/>
+          <a:p>
+            <a:r>
+              <a:rPr kumimoji="1" lang="zh-TW" altLang="en-US" dirty="0" smtClean="0"/>
+              <a:t>屬性</a:t>
+            </a:r>
+            <a:endParaRPr kumimoji="1" lang="zh-TW" altLang="en-US" dirty="0"/>
+          </a:p>
+        </p:txBody>
+      </p:sp>
+      <p:sp>
+        <p:nvSpPr>
+          <p:cNvPr id="3" name="內容版面配置區 2"/>
+          <p:cNvSpPr>
+            <a:spLocks noGrp="1"/>
+          </p:cNvSpPr>
+          <p:nvPr>
+            <p:ph idx="1"/>
+          </p:nvPr>
+        </p:nvSpPr>
+        <p:spPr/>
+        <p:txBody>
+          <a:bodyPr/>
+          <a:lstStyle/>
+          <a:p>
+            <a:r>
+              <a:rPr lang="en-US" altLang="zh-TW" dirty="0">
+                <a:latin typeface="+mn-ea"/>
+              </a:rPr>
+              <a:t>Source </a:t>
+            </a:r>
+            <a:r>
+              <a:rPr lang="en-US" altLang="zh-TW" dirty="0">
+                <a:latin typeface="+mn-ea"/>
+              </a:rPr>
+              <a:t>IP</a:t>
+            </a:r>
+          </a:p>
+          <a:p>
+            <a:r>
+              <a:rPr lang="en-US" altLang="zh-TW" dirty="0">
+                <a:latin typeface="+mn-ea"/>
+              </a:rPr>
+              <a:t>Delivered </a:t>
+            </a:r>
+            <a:r>
+              <a:rPr lang="en-US" altLang="zh-TW" dirty="0">
+                <a:latin typeface="+mn-ea"/>
+              </a:rPr>
+              <a:t>to</a:t>
+            </a:r>
+            <a:r>
+              <a:rPr lang="zh-TW" altLang="en-US" dirty="0">
+                <a:latin typeface="+mn-ea"/>
+              </a:rPr>
+              <a:t>後面的網址</a:t>
+            </a:r>
+          </a:p>
+          <a:p>
+            <a:r>
+              <a:rPr lang="en-US" altLang="zh-TW" dirty="0">
+                <a:latin typeface="+mn-ea"/>
+              </a:rPr>
+              <a:t>http</a:t>
+            </a:r>
+            <a:r>
+              <a:rPr lang="zh-TW" altLang="en-US" dirty="0">
+                <a:latin typeface="+mn-ea"/>
+              </a:rPr>
+              <a:t>的格式或</a:t>
+            </a:r>
+            <a:r>
+              <a:rPr lang="zh-TW" altLang="en-US" dirty="0" smtClean="0">
+                <a:latin typeface="+mn-ea"/>
+              </a:rPr>
+              <a:t>純文字</a:t>
+            </a:r>
+            <a:endParaRPr lang="en-US" altLang="zh-TW" dirty="0" smtClean="0">
+              <a:latin typeface="+mn-ea"/>
+            </a:endParaRPr>
+          </a:p>
+          <a:p>
+            <a:r>
+              <a:rPr lang="zh-TW" altLang="en-US" dirty="0" smtClean="0">
+                <a:latin typeface="+mn-ea"/>
+              </a:rPr>
+              <a:t>h</a:t>
+            </a:r>
+            <a:r>
+              <a:rPr lang="en-US" altLang="zh-TW" dirty="0" err="1" smtClean="0">
+                <a:latin typeface="+mn-ea"/>
+              </a:rPr>
+              <a:t>t</a:t>
+            </a:r>
+            <a:r>
+              <a:rPr lang="en-US" altLang="zh-TW" dirty="0" err="1" smtClean="0">
+                <a:latin typeface="+mn-ea"/>
+              </a:rPr>
+              <a:t>tp</a:t>
+            </a:r>
+            <a:r>
+              <a:rPr lang="zh-TW" altLang="en-US" dirty="0" smtClean="0">
+                <a:latin typeface="+mn-ea"/>
+              </a:rPr>
+              <a:t>的網址</a:t>
+            </a:r>
+            <a:endParaRPr lang="en-US" altLang="zh-TW" dirty="0" smtClean="0">
+              <a:latin typeface="+mn-ea"/>
+            </a:endParaRPr>
+          </a:p>
+          <a:p>
+            <a:r>
+              <a:rPr lang="zh-TW" altLang="en-US" dirty="0" smtClean="0">
+                <a:latin typeface="+mn-ea"/>
+              </a:rPr>
+              <a:t>是否有檔案名稱</a:t>
+            </a:r>
+            <a:endParaRPr lang="zh-TW" altLang="en-US" dirty="0">
+              <a:latin typeface="+mn-ea"/>
+            </a:endParaRPr>
+          </a:p>
+          <a:p>
+            <a:r>
+              <a:rPr lang="zh-TW" altLang="en-US" dirty="0" smtClean="0">
+                <a:latin typeface="+mn-ea"/>
+              </a:rPr>
+              <a:t>檔</a:t>
+            </a:r>
+            <a:r>
+              <a:rPr lang="zh-TW" altLang="en-US" dirty="0">
+                <a:latin typeface="+mn-ea"/>
+              </a:rPr>
+              <a:t>案大小</a:t>
+            </a:r>
+            <a:endParaRPr lang="zh-TW" altLang="en-US" dirty="0">
+              <a:latin typeface="+mn-ea"/>
+            </a:endParaRPr>
+          </a:p>
+        </p:txBody>
+      </p:sp>
+    </p:spTree>
+    <p:extLst>
+      <p:ext uri="{BB962C8B-B14F-4D97-AF65-F5344CB8AC3E}">
+        <p14:creationId xmlns:p14="http://schemas.microsoft.com/office/powerpoint/2010/main" val="387752651"/>
+      </p:ext>
+    </p:extLst>
+  </p:cSld>
+  <p:clrMapOvr>
+    <a:masterClrMapping/>
+  </p:clrMapOvr>
+  <p:timing>
+    <p:tnLst>
+      <p:par>
+        <p:cTn xmlns:p14="http://schemas.microsoft.com/office/powerpoint/2010/main" id="1" dur="indefinite" restart="never" nodeType="tmRoot"/>
+      </p:par>
+    </p:tnLst>
+  </p:timing>
+</p:sld>
+</file>
+
+<file path=ppt/slides/slide4.xml><?xml version="1.0" encoding="utf-8"?>
+<p:sld xmlns:a="http://schemas.openxmlformats.org/drawingml/2006/main" xmlns:r="http://schemas.openxmlformats.org/officeDocument/2006/relationships" xmlns:p="http://schemas.openxmlformats.org/presentationml/2006/main">
+  <p:cSld>
+    <p:spTree>
+      <p:nvGrpSpPr>
+        <p:cNvPr id="1" name=""/>
+        <p:cNvGrpSpPr/>
+        <p:nvPr/>
+      </p:nvGrpSpPr>
+      <p:grpSpPr>
+        <a:xfrm>
+          <a:off x="0" y="0"/>
+          <a:ext cx="0" cy="0"/>
+          <a:chOff x="0" y="0"/>
+          <a:chExt cx="0" cy="0"/>
+        </a:xfrm>
+      </p:grpSpPr>
+      <p:sp>
+        <p:nvSpPr>
+          <p:cNvPr id="2" name="標題 1"/>
+          <p:cNvSpPr>
+            <a:spLocks noGrp="1"/>
+          </p:cNvSpPr>
+          <p:nvPr>
+            <p:ph type="title"/>
+          </p:nvPr>
+        </p:nvSpPr>
+        <p:spPr/>
+        <p:txBody>
+          <a:bodyPr/>
+          <a:lstStyle/>
+          <a:p>
+            <a:r>
+              <a:rPr kumimoji="1" lang="zh-TW" altLang="en-US" dirty="0" smtClean="0"/>
+              <a:t>作法</a:t>
+            </a:r>
+            <a:endParaRPr kumimoji="1" lang="zh-TW" altLang="en-US" dirty="0"/>
+          </a:p>
+        </p:txBody>
+      </p:sp>
+      <p:sp>
+        <p:nvSpPr>
+          <p:cNvPr id="3" name="內容版面配置區 2"/>
+          <p:cNvSpPr>
+            <a:spLocks noGrp="1"/>
+          </p:cNvSpPr>
+          <p:nvPr>
+            <p:ph idx="1"/>
+          </p:nvPr>
+        </p:nvSpPr>
+        <p:spPr/>
+        <p:txBody>
+          <a:bodyPr/>
+          <a:lstStyle/>
+          <a:p>
+            <a:endParaRPr kumimoji="1" lang="zh-TW" altLang="en-US" dirty="0"/>
+          </a:p>
+        </p:txBody>
+      </p:sp>
+    </p:spTree>
+    <p:extLst>
+      <p:ext uri="{BB962C8B-B14F-4D97-AF65-F5344CB8AC3E}">
+        <p14:creationId xmlns:p14="http://schemas.microsoft.com/office/powerpoint/2010/main" val="2612527031"/>
+      </p:ext>
+    </p:extLst>
+  </p:cSld>
+  <p:clrMapOvr>
+    <a:masterClrMapping/>
+  </p:clrMapOvr>
+</p:sld>
+</file>
+
+<file path=ppt/slides/slide5.xml><?xml version="1.0" encoding="utf-8"?>
+<p:sld xmlns:a="http://schemas.openxmlformats.org/drawingml/2006/main" xmlns:r="http://schemas.openxmlformats.org/officeDocument/2006/relationships" xmlns:p="http://schemas.openxmlformats.org/presentationml/2006/main">
+  <p:cSld>
+    <p:spTree>
+      <p:nvGrpSpPr>
+        <p:cNvPr id="1" name=""/>
+        <p:cNvGrpSpPr/>
+        <p:nvPr/>
+      </p:nvGrpSpPr>
+      <p:grpSpPr>
+        <a:xfrm>
+          <a:off x="0" y="0"/>
+          <a:ext cx="0" cy="0"/>
+          <a:chOff x="0" y="0"/>
+          <a:chExt cx="0" cy="0"/>
+        </a:xfrm>
+      </p:grpSpPr>
+      <p:sp>
+        <p:nvSpPr>
+          <p:cNvPr id="2" name="標題 1"/>
+          <p:cNvSpPr>
+            <a:spLocks noGrp="1"/>
+          </p:cNvSpPr>
+          <p:nvPr>
+            <p:ph type="title"/>
+          </p:nvPr>
+        </p:nvSpPr>
+        <p:spPr/>
+        <p:txBody>
+          <a:bodyPr/>
+          <a:lstStyle/>
+          <a:p>
+            <a:r>
+              <a:rPr kumimoji="1" lang="zh-TW" altLang="en-US" dirty="0" smtClean="0"/>
+              <a:t>困難及解決方式</a:t>
+            </a:r>
+            <a:endParaRPr kumimoji="1" lang="zh-TW" altLang="en-US" dirty="0"/>
+          </a:p>
+        </p:txBody>
+      </p:sp>
+      <p:sp>
+        <p:nvSpPr>
+          <p:cNvPr id="3" name="內容版面配置區 2"/>
+          <p:cNvSpPr>
+            <a:spLocks noGrp="1"/>
+          </p:cNvSpPr>
+          <p:nvPr>
+            <p:ph idx="1"/>
+          </p:nvPr>
+        </p:nvSpPr>
+        <p:spPr/>
+        <p:txBody>
+          <a:bodyPr/>
+          <a:lstStyle/>
+          <a:p>
+            <a:pPr marL="571500" indent="-457200">
+              <a:buFont typeface="+mj-lt"/>
+              <a:buAutoNum type="arabicPeriod"/>
+            </a:pPr>
+            <a:r>
+              <a:rPr kumimoji="1" lang="zh-TW" altLang="en-US" dirty="0" smtClean="0"/>
+              <a:t>透過</a:t>
+            </a:r>
+            <a:r>
+              <a:rPr kumimoji="1" lang="en-US" altLang="zh-TW" dirty="0" smtClean="0"/>
+              <a:t>scan</a:t>
+            </a:r>
+            <a:r>
+              <a:rPr kumimoji="1" lang="zh-TW" altLang="en-US" dirty="0" smtClean="0"/>
+              <a:t>的方式，撈取多重資料時，最後一筆雖然有讀取到，卻無法顯示，後透過</a:t>
+            </a:r>
+            <a:r>
+              <a:rPr kumimoji="1" lang="en-US" altLang="zh-TW" dirty="0" err="1" smtClean="0"/>
+              <a:t>xmi</a:t>
+            </a:r>
+            <a:r>
+              <a:rPr kumimoji="1" lang="zh-TW" altLang="en-US" dirty="0" smtClean="0"/>
+              <a:t>順利解決</a:t>
+            </a:r>
+            <a:endParaRPr kumimoji="1" lang="en-US" altLang="zh-TW" dirty="0" smtClean="0"/>
+          </a:p>
+          <a:p>
+            <a:endParaRPr kumimoji="1" lang="en-US" altLang="zh-TW" dirty="0"/>
+          </a:p>
+          <a:p>
+            <a:endParaRPr kumimoji="1" lang="en-US" altLang="zh-TW" dirty="0" smtClean="0"/>
+          </a:p>
+          <a:p>
+            <a:endParaRPr kumimoji="1" lang="en-US" altLang="zh-TW" dirty="0"/>
+          </a:p>
+          <a:p>
+            <a:pPr marL="571500" indent="-457200">
+              <a:buFont typeface="+mj-lt"/>
+              <a:buAutoNum type="arabicPeriod"/>
+            </a:pPr>
+            <a:r>
+              <a:rPr kumimoji="1" lang="zh-TW" altLang="en-US" dirty="0" smtClean="0"/>
+              <a:t>要做圖表時，</a:t>
+            </a:r>
+            <a:r>
+              <a:rPr kumimoji="1" lang="en-US" altLang="zh-TW" dirty="0" err="1" smtClean="0"/>
+              <a:t>k</a:t>
+            </a:r>
+            <a:r>
+              <a:rPr kumimoji="1" lang="en-US" altLang="zh-TW" dirty="0" err="1" smtClean="0"/>
+              <a:t>ibana</a:t>
+            </a:r>
+            <a:r>
+              <a:rPr kumimoji="1" lang="zh-TW" altLang="en-US" dirty="0" smtClean="0"/>
+              <a:t>會將某些屬性自動作</a:t>
+            </a:r>
+            <a:r>
+              <a:rPr kumimoji="1" lang="en-US" altLang="zh-TW" dirty="0" smtClean="0"/>
+              <a:t>analysis</a:t>
+            </a:r>
+            <a:r>
+              <a:rPr kumimoji="1" lang="zh-TW" altLang="en-US" dirty="0" smtClean="0"/>
+              <a:t>的動作，將同一資料切成多段，因此在</a:t>
+            </a:r>
+            <a:r>
+              <a:rPr kumimoji="1" lang="en-US" altLang="zh-TW" dirty="0" smtClean="0"/>
+              <a:t>parser</a:t>
+            </a:r>
+            <a:r>
+              <a:rPr kumimoji="1" lang="zh-TW" altLang="en-US" dirty="0" smtClean="0"/>
+              <a:t>資料之前，需要設定為</a:t>
+            </a:r>
+            <a:r>
+              <a:rPr kumimoji="1" lang="en-US" altLang="zh-TW" dirty="0" err="1" smtClean="0"/>
+              <a:t>not_analysis</a:t>
+            </a:r>
+            <a:endParaRPr kumimoji="1" lang="en-US" altLang="zh-TW" dirty="0" smtClean="0"/>
+          </a:p>
+        </p:txBody>
+      </p:sp>
+      <p:sp>
+        <p:nvSpPr>
+          <p:cNvPr id="4" name="矩形 3"/>
+          <p:cNvSpPr/>
+          <p:nvPr/>
+        </p:nvSpPr>
+        <p:spPr>
+          <a:xfrm>
+            <a:off x="457200" y="2626390"/>
+            <a:ext cx="7627424" cy="369332"/>
+          </a:xfrm>
+          <a:prstGeom prst="rect">
+            <a:avLst/>
+          </a:prstGeom>
+        </p:spPr>
+        <p:style>
+          <a:lnRef idx="2">
+            <a:schemeClr val="accent5"/>
+          </a:lnRef>
+          <a:fillRef idx="1">
+            <a:schemeClr val="lt1"/>
+          </a:fillRef>
+          <a:effectRef idx="0">
+            <a:schemeClr val="accent5"/>
+          </a:effectRef>
+          <a:fontRef idx="minor">
+            <a:schemeClr val="dk1"/>
+          </a:fontRef>
+        </p:style>
+        <p:txBody>
+          <a:bodyPr wrap="square">
+            <a:spAutoFit/>
+          </a:bodyPr>
+          <a:lstStyle/>
+          <a:p>
+            <a:r>
+              <a:rPr lang="fi-FI" altLang="zh-TW" dirty="0" err="1" smtClean="0"/>
+              <a:t>event</a:t>
+            </a:r>
+            <a:r>
+              <a:rPr lang="fi-FI" altLang="zh-TW" dirty="0" err="1"/>
+              <a:t>["http</a:t>
+            </a:r>
+            <a:r>
+              <a:rPr lang="fi-FI" altLang="zh-TW" dirty="0"/>
+              <a:t>"] = </a:t>
+            </a:r>
+            <a:r>
+              <a:rPr lang="fi-FI" altLang="zh-TW" dirty="0" err="1"/>
+              <a:t>event["message"].scan(/(http:\/\/.*?)[\s</a:t>
+            </a:r>
+            <a:r>
+              <a:rPr lang="fi-FI" altLang="zh-TW" dirty="0"/>
+              <a:t>|"|&lt;|&gt;|\</a:t>
+            </a:r>
+            <a:r>
+              <a:rPr lang="fi-FI" altLang="zh-TW" dirty="0" err="1"/>
+              <a:t>n]/xmi).flatten</a:t>
+            </a:r>
+            <a:endParaRPr lang="fi-FI" altLang="zh-TW" dirty="0"/>
+          </a:p>
+        </p:txBody>
+      </p:sp>
+      <p:pic>
+        <p:nvPicPr>
+          <p:cNvPr id="5" name="圖片 4" descr="螢幕快照 2015-05-10 下午10.37.23.png"/>
+          <p:cNvPicPr>
+            <a:picLocks noChangeAspect="1"/>
+          </p:cNvPicPr>
+          <p:nvPr/>
+        </p:nvPicPr>
+        <p:blipFill>
+          <a:blip r:embed="rId2">
+            <a:extLst>
+              <a:ext uri="{28A0092B-C50C-407E-A947-70E740481C1C}">
+                <a14:useLocalDpi xmlns:a14="http://schemas.microsoft.com/office/drawing/2010/main" val="0"/>
+              </a:ext>
+            </a:extLst>
+          </a:blip>
+          <a:stretch>
+            <a:fillRect/>
+          </a:stretch>
+        </p:blipFill>
+        <p:spPr>
+          <a:xfrm>
+            <a:off x="544528" y="4848962"/>
+            <a:ext cx="7480300" cy="660400"/>
+          </a:xfrm>
+          <a:prstGeom prst="rect">
+            <a:avLst/>
+          </a:prstGeom>
+          <a:ln>
+            <a:noFill/>
+          </a:ln>
+          <a:effectLst>
+            <a:outerShdw blurRad="292100" dist="139700" dir="2700000" algn="tl" rotWithShape="0">
+              <a:srgbClr val="333333">
+                <a:alpha val="65000"/>
+              </a:srgbClr>
+            </a:outerShdw>
+          </a:effectLst>
+        </p:spPr>
+      </p:pic>
+      <p:sp>
+        <p:nvSpPr>
+          <p:cNvPr id="6" name="矩形 5"/>
+          <p:cNvSpPr/>
+          <p:nvPr/>
+        </p:nvSpPr>
+        <p:spPr>
+          <a:xfrm>
+            <a:off x="6297855" y="4648382"/>
+            <a:ext cx="1558096" cy="1165369"/>
+          </a:xfrm>
+          <a:prstGeom prst="rect">
+            <a:avLst/>
+          </a:prstGeom>
+          <a:noFill/>
+          <a:ln w="38100" cmpd="sng">
+            <a:solidFill>
+              <a:srgbClr val="FF0000"/>
+            </a:solidFill>
+          </a:ln>
+          <a:effectLst/>
+        </p:spPr>
+        <p:style>
+          <a:lnRef idx="1">
+            <a:schemeClr val="accent1"/>
+          </a:lnRef>
+          <a:fillRef idx="3">
+            <a:schemeClr val="accent1"/>
+          </a:fillRef>
+          <a:effectRef idx="2">
+            <a:schemeClr val="accent1"/>
+          </a:effectRef>
+          <a:fontRef idx="minor">
+            <a:schemeClr val="lt1"/>
+          </a:fontRef>
+        </p:style>
+        <p:txBody>
+          <a:bodyPr rtlCol="0" anchor="ctr"/>
+          <a:lstStyle/>
+          <a:p>
+            <a:pPr algn="ctr"/>
+            <a:endParaRPr kumimoji="1" lang="zh-TW" altLang="en-US"/>
+          </a:p>
+        </p:txBody>
+      </p:sp>
+      <p:pic>
+        <p:nvPicPr>
+          <p:cNvPr id="7" name="圖片 6" descr="螢幕快照 2015-05-10 下午10.41.25.png"/>
+          <p:cNvPicPr>
+            <a:picLocks noChangeAspect="1"/>
+          </p:cNvPicPr>
+          <p:nvPr/>
+        </p:nvPicPr>
+        <p:blipFill>
+          <a:blip r:embed="rId3">
+            <a:extLst>
+              <a:ext uri="{28A0092B-C50C-407E-A947-70E740481C1C}">
+                <a14:useLocalDpi xmlns:a14="http://schemas.microsoft.com/office/drawing/2010/main" val="0"/>
+              </a:ext>
+            </a:extLst>
+          </a:blip>
+          <a:stretch>
+            <a:fillRect/>
+          </a:stretch>
+        </p:blipFill>
+        <p:spPr>
+          <a:xfrm>
+            <a:off x="1518354" y="5216851"/>
+            <a:ext cx="3352800" cy="1193800"/>
+          </a:xfrm>
+          <a:prstGeom prst="rect">
+            <a:avLst/>
+          </a:prstGeom>
+          <a:ln>
+            <a:noFill/>
+          </a:ln>
+          <a:effectLst>
+            <a:outerShdw blurRad="292100" dist="139700" dir="2700000" algn="tl" rotWithShape="0">
+              <a:srgbClr val="333333">
+                <a:alpha val="65000"/>
+              </a:srgbClr>
+            </a:outerShdw>
+          </a:effectLst>
+        </p:spPr>
+      </p:pic>
+    </p:spTree>
+    <p:extLst>
+      <p:ext uri="{BB962C8B-B14F-4D97-AF65-F5344CB8AC3E}">
+        <p14:creationId xmlns:p14="http://schemas.microsoft.com/office/powerpoint/2010/main" val="4203007972"/>
+      </p:ext>
+    </p:extLst>
+  </p:cSld>
+  <p:clrMapOvr>
+    <a:masterClrMapping/>
+  </p:clrMapOvr>
+</p:sld>
+</file>
+
+<file path=ppt/slides/slide6.xml><?xml version="1.0" encoding="utf-8"?>
+<p:sld xmlns:a="http://schemas.openxmlformats.org/drawingml/2006/main" xmlns:r="http://schemas.openxmlformats.org/officeDocument/2006/relationships" xmlns:p="http://schemas.openxmlformats.org/presentationml/2006/main">
+  <p:cSld>
+    <p:spTree>
+      <p:nvGrpSpPr>
+        <p:cNvPr id="1" name=""/>
+        <p:cNvGrpSpPr/>
+        <p:nvPr/>
+      </p:nvGrpSpPr>
+      <p:grpSpPr>
+        <a:xfrm>
+          <a:off x="0" y="0"/>
+          <a:ext cx="0" cy="0"/>
+          <a:chOff x="0" y="0"/>
+          <a:chExt cx="0" cy="0"/>
+        </a:xfrm>
+      </p:grpSpPr>
+      <p:sp>
+        <p:nvSpPr>
+          <p:cNvPr id="2" name="標題 1"/>
+          <p:cNvSpPr>
+            <a:spLocks noGrp="1"/>
+          </p:cNvSpPr>
+          <p:nvPr>
+            <p:ph type="title"/>
+          </p:nvPr>
+        </p:nvSpPr>
+        <p:spPr/>
+        <p:txBody>
+          <a:bodyPr/>
+          <a:lstStyle/>
+          <a:p>
+            <a:r>
+              <a:rPr kumimoji="1" lang="zh-TW" altLang="en-US" dirty="0" smtClean="0"/>
+              <a:t>這頁最後會刪掉～</a:t>
+            </a:r>
+            <a:endParaRPr kumimoji="1" lang="zh-TW" altLang="en-US" dirty="0"/>
+          </a:p>
+        </p:txBody>
+      </p:sp>
+      <p:pic>
+        <p:nvPicPr>
+          <p:cNvPr id="7" name="圖片 6"/>
+          <p:cNvPicPr>
+            <a:picLocks noChangeAspect="1"/>
+          </p:cNvPicPr>
+          <p:nvPr/>
+        </p:nvPicPr>
+        <p:blipFill>
+          <a:blip r:embed="rId2"/>
+          <a:stretch>
+            <a:fillRect/>
+          </a:stretch>
+        </p:blipFill>
+        <p:spPr>
+          <a:xfrm>
+            <a:off x="248825" y="1625540"/>
+            <a:ext cx="8128000" cy="4876800"/>
+          </a:xfrm>
+          <a:prstGeom prst="rect">
+            <a:avLst/>
+          </a:prstGeom>
+        </p:spPr>
+      </p:pic>
+    </p:spTree>
+    <p:extLst>
+      <p:ext uri="{BB962C8B-B14F-4D97-AF65-F5344CB8AC3E}">
+        <p14:creationId xmlns:p14="http://schemas.microsoft.com/office/powerpoint/2010/main" val="4143233708"/>
       </p:ext>
     </p:extLst>
   </p:cSld>
